--- a/Sudoku Solver.pptx
+++ b/Sudoku Solver.pptx
@@ -5,7 +5,7 @@
     <p:sldMasterId id="2147483648" r:id="rId1"/>
   </p:sldMasterIdLst>
   <p:notesMasterIdLst>
-    <p:notesMasterId r:id="rId11"/>
+    <p:notesMasterId r:id="rId12"/>
   </p:notesMasterIdLst>
   <p:sldIdLst>
     <p:sldId id="256" r:id="rId2"/>
@@ -15,8 +15,9 @@
     <p:sldId id="260" r:id="rId6"/>
     <p:sldId id="264" r:id="rId7"/>
     <p:sldId id="261" r:id="rId8"/>
-    <p:sldId id="265" r:id="rId9"/>
-    <p:sldId id="266" r:id="rId10"/>
+    <p:sldId id="268" r:id="rId9"/>
+    <p:sldId id="265" r:id="rId10"/>
+    <p:sldId id="266" r:id="rId11"/>
   </p:sldIdLst>
   <p:sldSz cx="12192000" cy="6858000"/>
   <p:notesSz cx="6858000" cy="9144000"/>
@@ -115,6 +116,11 @@
       </a:defRPr>
     </a:lvl9pPr>
   </p:defaultTextStyle>
+  <p:extLst>
+    <p:ext uri="{EFAFB233-063F-42B5-8137-9DF3F51BA10A}">
+      <p15:sldGuideLst xmlns:p15="http://schemas.microsoft.com/office/powerpoint/2012/main"/>
+    </p:ext>
+  </p:extLst>
 </p:presentation>
 </file>
 
@@ -200,7 +206,7 @@
           <a:p>
             <a:fld id="{F604D02B-7584-4E36-B581-795A7D9989B5}" type="datetimeFigureOut">
               <a:rPr lang="en-US" smtClean="0"/>
-              <a:t>5/25/2024</a:t>
+              <a:t>5/26/2024</a:t>
             </a:fld>
             <a:endParaRPr lang="en-US"/>
           </a:p>
@@ -614,7 +620,7 @@
           <a:p>
             <a:fld id="{360944C1-EAF8-480B-8968-75D617A5098B}" type="datetime1">
               <a:rPr lang="en-US" smtClean="0"/>
-              <a:t>5/25/2024</a:t>
+              <a:t>5/26/2024</a:t>
             </a:fld>
             <a:endParaRPr lang="en-US"/>
           </a:p>
@@ -812,7 +818,7 @@
           <a:p>
             <a:fld id="{A9AF5F58-7F7C-40C9-BD0F-ADAF70F76814}" type="datetime1">
               <a:rPr lang="en-US" smtClean="0"/>
-              <a:t>5/25/2024</a:t>
+              <a:t>5/26/2024</a:t>
             </a:fld>
             <a:endParaRPr lang="en-US"/>
           </a:p>
@@ -1020,7 +1026,7 @@
           <a:p>
             <a:fld id="{762B03C4-12C5-4EDA-BA35-30715AFB8B2D}" type="datetime1">
               <a:rPr lang="en-US" smtClean="0"/>
-              <a:t>5/25/2024</a:t>
+              <a:t>5/26/2024</a:t>
             </a:fld>
             <a:endParaRPr lang="en-US"/>
           </a:p>
@@ -1218,7 +1224,7 @@
           <a:p>
             <a:fld id="{065B6023-01F4-47FB-AB99-4B4CA7EBF4BC}" type="datetime1">
               <a:rPr lang="en-US" smtClean="0"/>
-              <a:t>5/25/2024</a:t>
+              <a:t>5/26/2024</a:t>
             </a:fld>
             <a:endParaRPr lang="en-US"/>
           </a:p>
@@ -1493,7 +1499,7 @@
           <a:p>
             <a:fld id="{0817B3D2-A50B-411A-A0B9-BE166C526809}" type="datetime1">
               <a:rPr lang="en-US" smtClean="0"/>
-              <a:t>5/25/2024</a:t>
+              <a:t>5/26/2024</a:t>
             </a:fld>
             <a:endParaRPr lang="en-US"/>
           </a:p>
@@ -1758,7 +1764,7 @@
           <a:p>
             <a:fld id="{52EBA13C-45E3-4004-B8AF-C5EF833B1D7A}" type="datetime1">
               <a:rPr lang="en-US" smtClean="0"/>
-              <a:t>5/25/2024</a:t>
+              <a:t>5/26/2024</a:t>
             </a:fld>
             <a:endParaRPr lang="en-US"/>
           </a:p>
@@ -2170,7 +2176,7 @@
           <a:p>
             <a:fld id="{169A37C4-4C52-4ECB-A108-C98CF3433A2A}" type="datetime1">
               <a:rPr lang="en-US" smtClean="0"/>
-              <a:t>5/25/2024</a:t>
+              <a:t>5/26/2024</a:t>
             </a:fld>
             <a:endParaRPr lang="en-US"/>
           </a:p>
@@ -2311,7 +2317,7 @@
           <a:p>
             <a:fld id="{3330D271-3FC1-4775-9820-503251C1E80D}" type="datetime1">
               <a:rPr lang="en-US" smtClean="0"/>
-              <a:t>5/25/2024</a:t>
+              <a:t>5/26/2024</a:t>
             </a:fld>
             <a:endParaRPr lang="en-US"/>
           </a:p>
@@ -2424,7 +2430,7 @@
           <a:p>
             <a:fld id="{8F2BF7D4-5B67-4DA7-9E5B-7B8CA0C888F4}" type="datetime1">
               <a:rPr lang="en-US" smtClean="0"/>
-              <a:t>5/25/2024</a:t>
+              <a:t>5/26/2024</a:t>
             </a:fld>
             <a:endParaRPr lang="en-US"/>
           </a:p>
@@ -2735,7 +2741,7 @@
           <a:p>
             <a:fld id="{D36DC91A-DBAA-497C-A7FE-06FCB1D93310}" type="datetime1">
               <a:rPr lang="en-US" smtClean="0"/>
-              <a:t>5/25/2024</a:t>
+              <a:t>5/26/2024</a:t>
             </a:fld>
             <a:endParaRPr lang="en-US"/>
           </a:p>
@@ -3023,7 +3029,7 @@
           <a:p>
             <a:fld id="{7153344C-F923-4929-8A6A-3E418AE6BA65}" type="datetime1">
               <a:rPr lang="en-US" smtClean="0"/>
-              <a:t>5/25/2024</a:t>
+              <a:t>5/26/2024</a:t>
             </a:fld>
             <a:endParaRPr lang="en-US"/>
           </a:p>
@@ -3264,7 +3270,7 @@
           <a:p>
             <a:fld id="{38057992-8BA4-4204-AD2A-B18838146145}" type="datetime1">
               <a:rPr lang="en-US" smtClean="0"/>
-              <a:t>5/25/2024</a:t>
+              <a:t>5/26/2024</a:t>
             </a:fld>
             <a:endParaRPr lang="en-US"/>
           </a:p>
@@ -3786,6 +3792,121 @@
 </p:sld>
 </file>
 
+<file path=ppt/slides/slide10.xml><?xml version="1.0" encoding="utf-8"?>
+<p:sld xmlns:a="http://schemas.openxmlformats.org/drawingml/2006/main" xmlns:r="http://schemas.openxmlformats.org/officeDocument/2006/relationships" xmlns:p="http://schemas.openxmlformats.org/presentationml/2006/main">
+  <p:cSld>
+    <p:spTree>
+      <p:nvGrpSpPr>
+        <p:cNvPr id="1" name=""/>
+        <p:cNvGrpSpPr/>
+        <p:nvPr/>
+      </p:nvGrpSpPr>
+      <p:grpSpPr>
+        <a:xfrm>
+          <a:off x="0" y="0"/>
+          <a:ext cx="0" cy="0"/>
+          <a:chOff x="0" y="0"/>
+          <a:chExt cx="0" cy="0"/>
+        </a:xfrm>
+      </p:grpSpPr>
+      <p:sp>
+        <p:nvSpPr>
+          <p:cNvPr id="2" name="Title 1">
+            <a:extLst>
+              <a:ext uri="{FF2B5EF4-FFF2-40B4-BE49-F238E27FC236}">
+                <a16:creationId xmlns:a16="http://schemas.microsoft.com/office/drawing/2014/main" id="{C6612C75-2433-7C44-AA24-E7EBB320A811}"/>
+              </a:ext>
+            </a:extLst>
+          </p:cNvPr>
+          <p:cNvSpPr>
+            <a:spLocks noGrp="1"/>
+          </p:cNvSpPr>
+          <p:nvPr>
+            <p:ph type="title"/>
+          </p:nvPr>
+        </p:nvSpPr>
+        <p:spPr/>
+        <p:txBody>
+          <a:bodyPr/>
+          <a:lstStyle/>
+          <a:p>
+            <a:r>
+              <a:rPr lang="en-US" dirty="0"/>
+              <a:t>Results</a:t>
+            </a:r>
+          </a:p>
+        </p:txBody>
+      </p:sp>
+      <p:sp>
+        <p:nvSpPr>
+          <p:cNvPr id="3" name="Content Placeholder 2">
+            <a:extLst>
+              <a:ext uri="{FF2B5EF4-FFF2-40B4-BE49-F238E27FC236}">
+                <a16:creationId xmlns:a16="http://schemas.microsoft.com/office/drawing/2014/main" id="{6E771AC4-B0CC-B7A6-E379-EA2454C9F769}"/>
+              </a:ext>
+            </a:extLst>
+          </p:cNvPr>
+          <p:cNvSpPr>
+            <a:spLocks noGrp="1"/>
+          </p:cNvSpPr>
+          <p:nvPr>
+            <p:ph idx="1"/>
+          </p:nvPr>
+        </p:nvSpPr>
+        <p:spPr/>
+        <p:txBody>
+          <a:bodyPr/>
+          <a:lstStyle/>
+          <a:p>
+            <a:r>
+              <a:rPr lang="en-US" dirty="0"/>
+              <a:t>All approaches were run on 300 “hard” sudokus and some stats were calculated</a:t>
+            </a:r>
+          </a:p>
+        </p:txBody>
+      </p:sp>
+      <p:sp>
+        <p:nvSpPr>
+          <p:cNvPr id="4" name="Slide Number Placeholder 3">
+            <a:extLst>
+              <a:ext uri="{FF2B5EF4-FFF2-40B4-BE49-F238E27FC236}">
+                <a16:creationId xmlns:a16="http://schemas.microsoft.com/office/drawing/2014/main" id="{AA1C7C20-498B-136B-3069-80F2C7C82B7B}"/>
+              </a:ext>
+            </a:extLst>
+          </p:cNvPr>
+          <p:cNvSpPr>
+            <a:spLocks noGrp="1"/>
+          </p:cNvSpPr>
+          <p:nvPr>
+            <p:ph type="sldNum" sz="quarter" idx="12"/>
+          </p:nvPr>
+        </p:nvSpPr>
+        <p:spPr/>
+        <p:txBody>
+          <a:bodyPr/>
+          <a:lstStyle/>
+          <a:p>
+            <a:fld id="{A4D01DF2-AD9E-4D0E-A47B-E33AEFA120BE}" type="slidenum">
+              <a:rPr lang="en-US" smtClean="0"/>
+              <a:t>10</a:t>
+            </a:fld>
+            <a:endParaRPr lang="en-US"/>
+          </a:p>
+        </p:txBody>
+      </p:sp>
+    </p:spTree>
+    <p:extLst>
+      <p:ext uri="{BB962C8B-B14F-4D97-AF65-F5344CB8AC3E}">
+        <p14:creationId xmlns:p14="http://schemas.microsoft.com/office/powerpoint/2010/main" val="1894648586"/>
+      </p:ext>
+    </p:extLst>
+  </p:cSld>
+  <p:clrMapOvr>
+    <a:masterClrMapping/>
+  </p:clrMapOvr>
+</p:sld>
+</file>
+
 <file path=ppt/slides/slide2.xml><?xml version="1.0" encoding="utf-8"?>
 <p:sld xmlns:a="http://schemas.openxmlformats.org/drawingml/2006/main" xmlns:r="http://schemas.openxmlformats.org/officeDocument/2006/relationships" xmlns:p="http://schemas.openxmlformats.org/presentationml/2006/main">
   <p:cSld>
@@ -4760,28 +4881,28 @@
             <a:pPr lvl="1"/>
             <a:r>
               <a:rPr lang="en-US" dirty="0"/>
-              <a:t>Original Cache</a:t>
+              <a:t>Original Legal values</a:t>
             </a:r>
           </a:p>
           <a:p>
             <a:pPr lvl="1"/>
             <a:r>
               <a:rPr lang="en-US" dirty="0"/>
-              <a:t>Updating Cache</a:t>
+              <a:t>Updating Legal values with Cell Prioritization</a:t>
             </a:r>
           </a:p>
           <a:p>
             <a:pPr lvl="1"/>
             <a:r>
               <a:rPr lang="en-US" dirty="0"/>
-              <a:t>Priority cell search</a:t>
+              <a:t>Hidden singles</a:t>
             </a:r>
           </a:p>
           <a:p>
             <a:pPr lvl="1"/>
             <a:r>
               <a:rPr lang="en-US" dirty="0"/>
-              <a:t>Priority number search</a:t>
+              <a:t>Priority value search</a:t>
             </a:r>
           </a:p>
         </p:txBody>
@@ -5217,7 +5338,7 @@
           <a:p>
             <a:r>
               <a:rPr lang="en-US" dirty="0"/>
-              <a:t>Try values 1-9 for cells in row by row order</a:t>
+              <a:t>Try values 1-9 for cells in row-by-row order</a:t>
             </a:r>
           </a:p>
         </p:txBody>
@@ -6497,7 +6618,7 @@
           <a:p>
             <a:r>
               <a:rPr lang="en-US" dirty="0"/>
-              <a:t>Original Cache and Updating Cache</a:t>
+              <a:t>Original Legal values</a:t>
             </a:r>
           </a:p>
         </p:txBody>
@@ -6768,7 +6889,7 @@
           <a:p>
             <a:r>
               <a:rPr lang="en-US" dirty="0"/>
-              <a:t>Try legal values for cells in row by row order</a:t>
+              <a:t>Try legal values for cells in row-by-row order</a:t>
             </a:r>
           </a:p>
         </p:txBody>
@@ -7894,7 +8015,7 @@
           <a:p>
             <a:r>
               <a:rPr lang="en-US" dirty="0"/>
-              <a:t>Priority cell search</a:t>
+              <a:t>Updating Legal values with Priority cell search</a:t>
             </a:r>
           </a:p>
         </p:txBody>
@@ -7917,19 +8038,19 @@
         </p:nvSpPr>
         <p:spPr>
           <a:xfrm>
-            <a:off x="867345" y="1253567"/>
+            <a:off x="872108" y="1337468"/>
             <a:ext cx="10515600" cy="627063"/>
           </a:xfrm>
         </p:spPr>
         <p:txBody>
           <a:bodyPr>
-            <a:normAutofit fontScale="92500"/>
+            <a:normAutofit fontScale="85000" lnSpcReduction="20000"/>
           </a:bodyPr>
           <a:lstStyle/>
           <a:p>
             <a:r>
               <a:rPr lang="en-US" dirty="0"/>
-              <a:t>Search cells with least legal options from Original Cache and order by</a:t>
+              <a:t>Updates all legal values each iteration and prioritizes cells with least legal values to try next</a:t>
             </a:r>
           </a:p>
         </p:txBody>
@@ -9269,7 +9390,7 @@
           <a:p>
             <a:r>
               <a:rPr lang="en-US" dirty="0"/>
-              <a:t>Priority number search</a:t>
+              <a:t>Hidden singles</a:t>
             </a:r>
           </a:p>
         </p:txBody>
@@ -9292,8 +9413,8 @@
         </p:nvSpPr>
         <p:spPr>
           <a:xfrm>
-            <a:off x="867345" y="1253567"/>
-            <a:ext cx="10515600" cy="627063"/>
+            <a:off x="867345" y="1253568"/>
+            <a:ext cx="10515600" cy="599398"/>
           </a:xfrm>
         </p:spPr>
         <p:txBody>
@@ -9304,7 +9425,7 @@
           <a:p>
             <a:r>
               <a:rPr lang="en-US" dirty="0"/>
-              <a:t>Try least frequent number first for cells in row by row</a:t>
+              <a:t>Deep update of legal values cache</a:t>
             </a:r>
           </a:p>
         </p:txBody>
@@ -9333,6 +9454,988 @@
             <a:fld id="{A4D01DF2-AD9E-4D0E-A47B-E33AEFA120BE}" type="slidenum">
               <a:rPr lang="en-US" smtClean="0"/>
               <a:t>8</a:t>
+            </a:fld>
+            <a:endParaRPr lang="en-US"/>
+          </a:p>
+        </p:txBody>
+      </p:sp>
+      <p:pic>
+        <p:nvPicPr>
+          <p:cNvPr id="4" name="Content Placeholder 3" descr="Sudoku Images – Browse 9,394 Stock Photos, Vectors, and Video | Adobe Stock">
+            <a:extLst>
+              <a:ext uri="{FF2B5EF4-FFF2-40B4-BE49-F238E27FC236}">
+                <a16:creationId xmlns:a16="http://schemas.microsoft.com/office/drawing/2014/main" id="{5307FEE5-757A-68F9-09D5-A8DC95DA75A9}"/>
+              </a:ext>
+            </a:extLst>
+          </p:cNvPr>
+          <p:cNvPicPr>
+            <a:picLocks noChangeAspect="1"/>
+          </p:cNvPicPr>
+          <p:nvPr/>
+        </p:nvPicPr>
+        <p:blipFill>
+          <a:blip r:embed="rId2">
+            <a:extLst>
+              <a:ext uri="{28A0092B-C50C-407E-A947-70E740481C1C}">
+                <a14:useLocalDpi xmlns:a14="http://schemas.microsoft.com/office/drawing/2010/main" val="0"/>
+              </a:ext>
+            </a:extLst>
+          </a:blip>
+          <a:srcRect/>
+          <a:stretch>
+            <a:fillRect/>
+          </a:stretch>
+        </p:blipFill>
+        <p:spPr bwMode="auto">
+          <a:xfrm>
+            <a:off x="1977008" y="1880630"/>
+            <a:ext cx="8237983" cy="4612245"/>
+          </a:xfrm>
+          <a:prstGeom prst="rect">
+            <a:avLst/>
+          </a:prstGeom>
+          <a:noFill/>
+          <a:ln>
+            <a:noFill/>
+          </a:ln>
+        </p:spPr>
+      </p:pic>
+      <p:sp>
+        <p:nvSpPr>
+          <p:cNvPr id="5" name="TextBox 4">
+            <a:extLst>
+              <a:ext uri="{FF2B5EF4-FFF2-40B4-BE49-F238E27FC236}">
+                <a16:creationId xmlns:a16="http://schemas.microsoft.com/office/drawing/2014/main" id="{B821339C-F19D-0872-DA66-609827715E8C}"/>
+              </a:ext>
+            </a:extLst>
+          </p:cNvPr>
+          <p:cNvSpPr txBox="1"/>
+          <p:nvPr/>
+        </p:nvSpPr>
+        <p:spPr>
+          <a:xfrm>
+            <a:off x="2586419" y="2590800"/>
+            <a:ext cx="428625" cy="230832"/>
+          </a:xfrm>
+          <a:prstGeom prst="rect">
+            <a:avLst/>
+          </a:prstGeom>
+          <a:noFill/>
+        </p:spPr>
+        <p:txBody>
+          <a:bodyPr wrap="square" rtlCol="0">
+            <a:spAutoFit/>
+          </a:bodyPr>
+          <a:lstStyle/>
+          <a:p>
+            <a:r>
+              <a:rPr lang="en-US" sz="900" dirty="0"/>
+              <a:t>3 8 9</a:t>
+            </a:r>
+          </a:p>
+        </p:txBody>
+      </p:sp>
+      <p:sp>
+        <p:nvSpPr>
+          <p:cNvPr id="7" name="TextBox 6">
+            <a:extLst>
+              <a:ext uri="{FF2B5EF4-FFF2-40B4-BE49-F238E27FC236}">
+                <a16:creationId xmlns:a16="http://schemas.microsoft.com/office/drawing/2014/main" id="{03197AE8-304B-B6F6-528B-685E80A55E3A}"/>
+              </a:ext>
+            </a:extLst>
+          </p:cNvPr>
+          <p:cNvSpPr txBox="1"/>
+          <p:nvPr/>
+        </p:nvSpPr>
+        <p:spPr>
+          <a:xfrm>
+            <a:off x="3421957" y="2590800"/>
+            <a:ext cx="428625" cy="230832"/>
+          </a:xfrm>
+          <a:prstGeom prst="rect">
+            <a:avLst/>
+          </a:prstGeom>
+          <a:noFill/>
+        </p:spPr>
+        <p:txBody>
+          <a:bodyPr wrap="square" rtlCol="0">
+            <a:spAutoFit/>
+          </a:bodyPr>
+          <a:lstStyle/>
+          <a:p>
+            <a:r>
+              <a:rPr lang="en-US" sz="900" dirty="0"/>
+              <a:t>2 8 9</a:t>
+            </a:r>
+          </a:p>
+        </p:txBody>
+      </p:sp>
+      <p:sp>
+        <p:nvSpPr>
+          <p:cNvPr id="8" name="TextBox 7">
+            <a:extLst>
+              <a:ext uri="{FF2B5EF4-FFF2-40B4-BE49-F238E27FC236}">
+                <a16:creationId xmlns:a16="http://schemas.microsoft.com/office/drawing/2014/main" id="{4DDFABAA-4EDF-9F64-13E9-DA83695C5ECF}"/>
+              </a:ext>
+            </a:extLst>
+          </p:cNvPr>
+          <p:cNvSpPr txBox="1"/>
+          <p:nvPr/>
+        </p:nvSpPr>
+        <p:spPr>
+          <a:xfrm>
+            <a:off x="3835529" y="2590800"/>
+            <a:ext cx="428625" cy="230832"/>
+          </a:xfrm>
+          <a:prstGeom prst="rect">
+            <a:avLst/>
+          </a:prstGeom>
+          <a:noFill/>
+        </p:spPr>
+        <p:txBody>
+          <a:bodyPr wrap="square" rtlCol="0">
+            <a:spAutoFit/>
+          </a:bodyPr>
+          <a:lstStyle/>
+          <a:p>
+            <a:r>
+              <a:rPr lang="en-US" sz="900" dirty="0"/>
+              <a:t>2 3 8 </a:t>
+            </a:r>
+          </a:p>
+        </p:txBody>
+      </p:sp>
+      <p:sp>
+        <p:nvSpPr>
+          <p:cNvPr id="9" name="TextBox 8">
+            <a:extLst>
+              <a:ext uri="{FF2B5EF4-FFF2-40B4-BE49-F238E27FC236}">
+                <a16:creationId xmlns:a16="http://schemas.microsoft.com/office/drawing/2014/main" id="{20355BA4-A278-671A-EB8F-7F412156514B}"/>
+              </a:ext>
+            </a:extLst>
+          </p:cNvPr>
+          <p:cNvSpPr txBox="1"/>
+          <p:nvPr/>
+        </p:nvSpPr>
+        <p:spPr>
+          <a:xfrm>
+            <a:off x="5513264" y="2590800"/>
+            <a:ext cx="428625" cy="230832"/>
+          </a:xfrm>
+          <a:prstGeom prst="rect">
+            <a:avLst/>
+          </a:prstGeom>
+          <a:noFill/>
+        </p:spPr>
+        <p:txBody>
+          <a:bodyPr wrap="square" rtlCol="0">
+            <a:spAutoFit/>
+          </a:bodyPr>
+          <a:lstStyle/>
+          <a:p>
+            <a:r>
+              <a:rPr lang="en-US" sz="900" dirty="0"/>
+              <a:t>2 3 8 </a:t>
+            </a:r>
+          </a:p>
+        </p:txBody>
+      </p:sp>
+      <p:sp>
+        <p:nvSpPr>
+          <p:cNvPr id="10" name="TextBox 9">
+            <a:extLst>
+              <a:ext uri="{FF2B5EF4-FFF2-40B4-BE49-F238E27FC236}">
+                <a16:creationId xmlns:a16="http://schemas.microsoft.com/office/drawing/2014/main" id="{F31C76E2-BEEE-9088-8E8A-B493E6E3BB0D}"/>
+              </a:ext>
+            </a:extLst>
+          </p:cNvPr>
+          <p:cNvSpPr txBox="1"/>
+          <p:nvPr/>
+        </p:nvSpPr>
+        <p:spPr>
+          <a:xfrm>
+            <a:off x="2249813" y="3011574"/>
+            <a:ext cx="428625" cy="230832"/>
+          </a:xfrm>
+          <a:prstGeom prst="rect">
+            <a:avLst/>
+          </a:prstGeom>
+          <a:noFill/>
+        </p:spPr>
+        <p:txBody>
+          <a:bodyPr wrap="square" rtlCol="0">
+            <a:spAutoFit/>
+          </a:bodyPr>
+          <a:lstStyle/>
+          <a:p>
+            <a:r>
+              <a:rPr lang="en-US" sz="900" dirty="0"/>
+              <a:t>9 </a:t>
+            </a:r>
+          </a:p>
+        </p:txBody>
+      </p:sp>
+      <p:sp>
+        <p:nvSpPr>
+          <p:cNvPr id="14" name="TextBox 13">
+            <a:extLst>
+              <a:ext uri="{FF2B5EF4-FFF2-40B4-BE49-F238E27FC236}">
+                <a16:creationId xmlns:a16="http://schemas.microsoft.com/office/drawing/2014/main" id="{49BFBF13-8F00-30D4-C28C-8C5085F3E4D4}"/>
+              </a:ext>
+            </a:extLst>
+          </p:cNvPr>
+          <p:cNvSpPr txBox="1"/>
+          <p:nvPr/>
+        </p:nvSpPr>
+        <p:spPr>
+          <a:xfrm>
+            <a:off x="2190750" y="3416385"/>
+            <a:ext cx="428625" cy="230832"/>
+          </a:xfrm>
+          <a:prstGeom prst="rect">
+            <a:avLst/>
+          </a:prstGeom>
+          <a:noFill/>
+        </p:spPr>
+        <p:txBody>
+          <a:bodyPr wrap="square" rtlCol="0">
+            <a:spAutoFit/>
+          </a:bodyPr>
+          <a:lstStyle/>
+          <a:p>
+            <a:r>
+              <a:rPr lang="en-US" sz="900" dirty="0"/>
+              <a:t>3 8 9 </a:t>
+            </a:r>
+          </a:p>
+        </p:txBody>
+      </p:sp>
+      <p:sp>
+        <p:nvSpPr>
+          <p:cNvPr id="23" name="TextBox 22">
+            <a:extLst>
+              <a:ext uri="{FF2B5EF4-FFF2-40B4-BE49-F238E27FC236}">
+                <a16:creationId xmlns:a16="http://schemas.microsoft.com/office/drawing/2014/main" id="{64768ED6-E44A-973F-63C7-9E61C8586DD1}"/>
+              </a:ext>
+            </a:extLst>
+          </p:cNvPr>
+          <p:cNvSpPr txBox="1"/>
+          <p:nvPr/>
+        </p:nvSpPr>
+        <p:spPr>
+          <a:xfrm>
+            <a:off x="3062989" y="3429000"/>
+            <a:ext cx="336606" cy="230832"/>
+          </a:xfrm>
+          <a:prstGeom prst="rect">
+            <a:avLst/>
+          </a:prstGeom>
+          <a:noFill/>
+        </p:spPr>
+        <p:txBody>
+          <a:bodyPr wrap="square" rtlCol="0">
+            <a:spAutoFit/>
+          </a:bodyPr>
+          <a:lstStyle/>
+          <a:p>
+            <a:r>
+              <a:rPr lang="en-US" sz="900" dirty="0"/>
+              <a:t>4 9 </a:t>
+            </a:r>
+          </a:p>
+        </p:txBody>
+      </p:sp>
+      <p:sp>
+        <p:nvSpPr>
+          <p:cNvPr id="24" name="TextBox 23">
+            <a:extLst>
+              <a:ext uri="{FF2B5EF4-FFF2-40B4-BE49-F238E27FC236}">
+                <a16:creationId xmlns:a16="http://schemas.microsoft.com/office/drawing/2014/main" id="{81A46241-23C1-7E63-E127-82F7EC6D1961}"/>
+              </a:ext>
+            </a:extLst>
+          </p:cNvPr>
+          <p:cNvSpPr txBox="1"/>
+          <p:nvPr/>
+        </p:nvSpPr>
+        <p:spPr>
+          <a:xfrm>
+            <a:off x="2632428" y="4682660"/>
+            <a:ext cx="336606" cy="230832"/>
+          </a:xfrm>
+          <a:prstGeom prst="rect">
+            <a:avLst/>
+          </a:prstGeom>
+          <a:noFill/>
+        </p:spPr>
+        <p:txBody>
+          <a:bodyPr wrap="square" rtlCol="0">
+            <a:spAutoFit/>
+          </a:bodyPr>
+          <a:lstStyle/>
+          <a:p>
+            <a:r>
+              <a:rPr lang="en-US" sz="900" dirty="0"/>
+              <a:t>8 9 </a:t>
+            </a:r>
+          </a:p>
+        </p:txBody>
+      </p:sp>
+      <p:sp>
+        <p:nvSpPr>
+          <p:cNvPr id="25" name="TextBox 24">
+            <a:extLst>
+              <a:ext uri="{FF2B5EF4-FFF2-40B4-BE49-F238E27FC236}">
+                <a16:creationId xmlns:a16="http://schemas.microsoft.com/office/drawing/2014/main" id="{E0245577-18C0-3B92-6C18-8280D0A90409}"/>
+              </a:ext>
+            </a:extLst>
+          </p:cNvPr>
+          <p:cNvSpPr txBox="1"/>
+          <p:nvPr/>
+        </p:nvSpPr>
+        <p:spPr>
+          <a:xfrm>
+            <a:off x="2678438" y="5103434"/>
+            <a:ext cx="336606" cy="230832"/>
+          </a:xfrm>
+          <a:prstGeom prst="rect">
+            <a:avLst/>
+          </a:prstGeom>
+          <a:noFill/>
+        </p:spPr>
+        <p:txBody>
+          <a:bodyPr wrap="square" rtlCol="0">
+            <a:spAutoFit/>
+          </a:bodyPr>
+          <a:lstStyle/>
+          <a:p>
+            <a:r>
+              <a:rPr lang="en-US" sz="900" dirty="0"/>
+              <a:t>7 </a:t>
+            </a:r>
+          </a:p>
+        </p:txBody>
+      </p:sp>
+      <p:sp>
+        <p:nvSpPr>
+          <p:cNvPr id="26" name="TextBox 25">
+            <a:extLst>
+              <a:ext uri="{FF2B5EF4-FFF2-40B4-BE49-F238E27FC236}">
+                <a16:creationId xmlns:a16="http://schemas.microsoft.com/office/drawing/2014/main" id="{61B0AE26-856B-B0C1-426F-62054DEAB75C}"/>
+              </a:ext>
+            </a:extLst>
+          </p:cNvPr>
+          <p:cNvSpPr txBox="1"/>
+          <p:nvPr/>
+        </p:nvSpPr>
+        <p:spPr>
+          <a:xfrm>
+            <a:off x="2642761" y="5448008"/>
+            <a:ext cx="420228" cy="369332"/>
+          </a:xfrm>
+          <a:prstGeom prst="rect">
+            <a:avLst/>
+          </a:prstGeom>
+          <a:noFill/>
+        </p:spPr>
+        <p:txBody>
+          <a:bodyPr wrap="square" rtlCol="0">
+            <a:spAutoFit/>
+          </a:bodyPr>
+          <a:lstStyle/>
+          <a:p>
+            <a:r>
+              <a:rPr lang="en-US" dirty="0">
+                <a:solidFill>
+                  <a:srgbClr val="00B050"/>
+                </a:solidFill>
+              </a:rPr>
+              <a:t>3</a:t>
+            </a:r>
+          </a:p>
+        </p:txBody>
+      </p:sp>
+      <p:sp>
+        <p:nvSpPr>
+          <p:cNvPr id="11" name="Multiplication Sign 10">
+            <a:extLst>
+              <a:ext uri="{FF2B5EF4-FFF2-40B4-BE49-F238E27FC236}">
+                <a16:creationId xmlns:a16="http://schemas.microsoft.com/office/drawing/2014/main" id="{9F92A649-4F05-1CAF-063F-8FB8F43E0F29}"/>
+              </a:ext>
+            </a:extLst>
+          </p:cNvPr>
+          <p:cNvSpPr/>
+          <p:nvPr/>
+        </p:nvSpPr>
+        <p:spPr>
+          <a:xfrm>
+            <a:off x="2662438" y="2611701"/>
+            <a:ext cx="104386" cy="177868"/>
+          </a:xfrm>
+          <a:prstGeom prst="mathMultiply">
+            <a:avLst/>
+          </a:prstGeom>
+          <a:solidFill>
+            <a:srgbClr val="FF0000"/>
+          </a:solidFill>
+        </p:spPr>
+        <p:style>
+          <a:lnRef idx="2">
+            <a:schemeClr val="accent1">
+              <a:shade val="15000"/>
+            </a:schemeClr>
+          </a:lnRef>
+          <a:fillRef idx="1">
+            <a:schemeClr val="accent1"/>
+          </a:fillRef>
+          <a:effectRef idx="0">
+            <a:schemeClr val="accent1"/>
+          </a:effectRef>
+          <a:fontRef idx="minor">
+            <a:schemeClr val="lt1"/>
+          </a:fontRef>
+        </p:style>
+        <p:txBody>
+          <a:bodyPr rtlCol="0" anchor="ctr"/>
+          <a:lstStyle/>
+          <a:p>
+            <a:pPr algn="ctr"/>
+            <a:endParaRPr lang="en-US"/>
+          </a:p>
+        </p:txBody>
+      </p:sp>
+      <p:sp>
+        <p:nvSpPr>
+          <p:cNvPr id="12" name="Rectangle 11">
+            <a:extLst>
+              <a:ext uri="{FF2B5EF4-FFF2-40B4-BE49-F238E27FC236}">
+                <a16:creationId xmlns:a16="http://schemas.microsoft.com/office/drawing/2014/main" id="{20C09289-44EC-FB0F-28B5-ED81AAB49C78}"/>
+              </a:ext>
+            </a:extLst>
+          </p:cNvPr>
+          <p:cNvSpPr/>
+          <p:nvPr/>
+        </p:nvSpPr>
+        <p:spPr>
+          <a:xfrm>
+            <a:off x="2190750" y="2511552"/>
+            <a:ext cx="1231207" cy="1225296"/>
+          </a:xfrm>
+          <a:prstGeom prst="rect">
+            <a:avLst/>
+          </a:prstGeom>
+          <a:noFill/>
+          <a:ln w="28575">
+            <a:solidFill>
+              <a:srgbClr val="FF0000"/>
+            </a:solidFill>
+            <a:prstDash val="dash"/>
+          </a:ln>
+        </p:spPr>
+        <p:style>
+          <a:lnRef idx="2">
+            <a:schemeClr val="accent1">
+              <a:shade val="15000"/>
+            </a:schemeClr>
+          </a:lnRef>
+          <a:fillRef idx="1">
+            <a:schemeClr val="accent1"/>
+          </a:fillRef>
+          <a:effectRef idx="0">
+            <a:schemeClr val="accent1"/>
+          </a:effectRef>
+          <a:fontRef idx="minor">
+            <a:schemeClr val="lt1"/>
+          </a:fontRef>
+        </p:style>
+        <p:txBody>
+          <a:bodyPr rtlCol="0" anchor="ctr"/>
+          <a:lstStyle/>
+          <a:p>
+            <a:pPr algn="ctr"/>
+            <a:endParaRPr lang="en-US"/>
+          </a:p>
+        </p:txBody>
+      </p:sp>
+      <p:sp>
+        <p:nvSpPr>
+          <p:cNvPr id="13" name="Multiplication Sign 12">
+            <a:extLst>
+              <a:ext uri="{FF2B5EF4-FFF2-40B4-BE49-F238E27FC236}">
+                <a16:creationId xmlns:a16="http://schemas.microsoft.com/office/drawing/2014/main" id="{F965AB6F-6594-962B-8B5E-96B0E5F849E1}"/>
+              </a:ext>
+            </a:extLst>
+          </p:cNvPr>
+          <p:cNvSpPr/>
+          <p:nvPr/>
+        </p:nvSpPr>
+        <p:spPr>
+          <a:xfrm>
+            <a:off x="2438136" y="3448510"/>
+            <a:ext cx="104386" cy="177868"/>
+          </a:xfrm>
+          <a:prstGeom prst="mathMultiply">
+            <a:avLst/>
+          </a:prstGeom>
+          <a:solidFill>
+            <a:srgbClr val="FF0000"/>
+          </a:solidFill>
+        </p:spPr>
+        <p:style>
+          <a:lnRef idx="2">
+            <a:schemeClr val="accent1">
+              <a:shade val="15000"/>
+            </a:schemeClr>
+          </a:lnRef>
+          <a:fillRef idx="1">
+            <a:schemeClr val="accent1"/>
+          </a:fillRef>
+          <a:effectRef idx="0">
+            <a:schemeClr val="accent1"/>
+          </a:effectRef>
+          <a:fontRef idx="minor">
+            <a:schemeClr val="lt1"/>
+          </a:fontRef>
+        </p:style>
+        <p:txBody>
+          <a:bodyPr rtlCol="0" anchor="ctr"/>
+          <a:lstStyle/>
+          <a:p>
+            <a:pPr algn="ctr"/>
+            <a:endParaRPr lang="en-US"/>
+          </a:p>
+        </p:txBody>
+      </p:sp>
+      <p:sp>
+        <p:nvSpPr>
+          <p:cNvPr id="15" name="Multiplication Sign 14">
+            <a:extLst>
+              <a:ext uri="{FF2B5EF4-FFF2-40B4-BE49-F238E27FC236}">
+                <a16:creationId xmlns:a16="http://schemas.microsoft.com/office/drawing/2014/main" id="{984043EC-9A68-0354-8B80-A55E5EBDDD08}"/>
+              </a:ext>
+            </a:extLst>
+          </p:cNvPr>
+          <p:cNvSpPr/>
+          <p:nvPr/>
+        </p:nvSpPr>
+        <p:spPr>
+          <a:xfrm>
+            <a:off x="2349081" y="3448510"/>
+            <a:ext cx="104386" cy="177868"/>
+          </a:xfrm>
+          <a:prstGeom prst="mathMultiply">
+            <a:avLst/>
+          </a:prstGeom>
+          <a:solidFill>
+            <a:srgbClr val="FF0000"/>
+          </a:solidFill>
+        </p:spPr>
+        <p:style>
+          <a:lnRef idx="2">
+            <a:schemeClr val="accent1">
+              <a:shade val="15000"/>
+            </a:schemeClr>
+          </a:lnRef>
+          <a:fillRef idx="1">
+            <a:schemeClr val="accent1"/>
+          </a:fillRef>
+          <a:effectRef idx="0">
+            <a:schemeClr val="accent1"/>
+          </a:effectRef>
+          <a:fontRef idx="minor">
+            <a:schemeClr val="lt1"/>
+          </a:fontRef>
+        </p:style>
+        <p:txBody>
+          <a:bodyPr rtlCol="0" anchor="ctr"/>
+          <a:lstStyle/>
+          <a:p>
+            <a:pPr algn="ctr"/>
+            <a:endParaRPr lang="en-US"/>
+          </a:p>
+        </p:txBody>
+      </p:sp>
+    </p:spTree>
+    <p:extLst>
+      <p:ext uri="{BB962C8B-B14F-4D97-AF65-F5344CB8AC3E}">
+        <p14:creationId xmlns:p14="http://schemas.microsoft.com/office/powerpoint/2010/main" val="2707895135"/>
+      </p:ext>
+    </p:extLst>
+  </p:cSld>
+  <p:clrMapOvr>
+    <a:masterClrMapping/>
+  </p:clrMapOvr>
+  <p:timing>
+    <p:tnLst>
+      <p:par>
+        <p:cTn id="1" dur="indefinite" restart="never" nodeType="tmRoot">
+          <p:childTnLst>
+            <p:seq concurrent="1" nextAc="seek">
+              <p:cTn id="2" dur="indefinite" nodeType="mainSeq">
+                <p:childTnLst>
+                  <p:par>
+                    <p:cTn id="3" fill="hold">
+                      <p:stCondLst>
+                        <p:cond delay="indefinite"/>
+                      </p:stCondLst>
+                      <p:childTnLst>
+                        <p:par>
+                          <p:cTn id="4" fill="hold">
+                            <p:stCondLst>
+                              <p:cond delay="0"/>
+                            </p:stCondLst>
+                            <p:childTnLst>
+                              <p:par>
+                                <p:cTn id="5" presetID="1" presetClass="entr" presetSubtype="0" fill="hold" nodeType="clickEffect">
+                                  <p:stCondLst>
+                                    <p:cond delay="0"/>
+                                  </p:stCondLst>
+                                  <p:childTnLst>
+                                    <p:set>
+                                      <p:cBhvr>
+                                        <p:cTn id="6" dur="1" fill="hold">
+                                          <p:stCondLst>
+                                            <p:cond delay="0"/>
+                                          </p:stCondLst>
+                                        </p:cTn>
+                                        <p:tgtEl>
+                                          <p:spTgt spid="26">
+                                            <p:txEl>
+                                              <p:pRg st="0" end="0"/>
+                                            </p:txEl>
+                                          </p:spTgt>
+                                        </p:tgtEl>
+                                        <p:attrNameLst>
+                                          <p:attrName>style.visibility</p:attrName>
+                                        </p:attrNameLst>
+                                      </p:cBhvr>
+                                      <p:to>
+                                        <p:strVal val="visible"/>
+                                      </p:to>
+                                    </p:set>
+                                  </p:childTnLst>
+                                </p:cTn>
+                              </p:par>
+                            </p:childTnLst>
+                          </p:cTn>
+                        </p:par>
+                      </p:childTnLst>
+                    </p:cTn>
+                  </p:par>
+                  <p:par>
+                    <p:cTn id="7" fill="hold">
+                      <p:stCondLst>
+                        <p:cond delay="indefinite"/>
+                      </p:stCondLst>
+                      <p:childTnLst>
+                        <p:par>
+                          <p:cTn id="8" fill="hold">
+                            <p:stCondLst>
+                              <p:cond delay="0"/>
+                            </p:stCondLst>
+                            <p:childTnLst>
+                              <p:par>
+                                <p:cTn id="9" presetID="1" presetClass="entr" presetSubtype="0" fill="hold" grpId="0" nodeType="clickEffect">
+                                  <p:stCondLst>
+                                    <p:cond delay="0"/>
+                                  </p:stCondLst>
+                                  <p:childTnLst>
+                                    <p:set>
+                                      <p:cBhvr>
+                                        <p:cTn id="10" dur="1" fill="hold">
+                                          <p:stCondLst>
+                                            <p:cond delay="0"/>
+                                          </p:stCondLst>
+                                        </p:cTn>
+                                        <p:tgtEl>
+                                          <p:spTgt spid="11"/>
+                                        </p:tgtEl>
+                                        <p:attrNameLst>
+                                          <p:attrName>style.visibility</p:attrName>
+                                        </p:attrNameLst>
+                                      </p:cBhvr>
+                                      <p:to>
+                                        <p:strVal val="visible"/>
+                                      </p:to>
+                                    </p:set>
+                                  </p:childTnLst>
+                                </p:cTn>
+                              </p:par>
+                            </p:childTnLst>
+                          </p:cTn>
+                        </p:par>
+                      </p:childTnLst>
+                    </p:cTn>
+                  </p:par>
+                  <p:par>
+                    <p:cTn id="11" fill="hold">
+                      <p:stCondLst>
+                        <p:cond delay="indefinite"/>
+                      </p:stCondLst>
+                      <p:childTnLst>
+                        <p:par>
+                          <p:cTn id="12" fill="hold">
+                            <p:stCondLst>
+                              <p:cond delay="0"/>
+                            </p:stCondLst>
+                            <p:childTnLst>
+                              <p:par>
+                                <p:cTn id="13" presetID="1" presetClass="entr" presetSubtype="0" fill="hold" grpId="0" nodeType="clickEffect">
+                                  <p:stCondLst>
+                                    <p:cond delay="0"/>
+                                  </p:stCondLst>
+                                  <p:childTnLst>
+                                    <p:set>
+                                      <p:cBhvr>
+                                        <p:cTn id="14" dur="1" fill="hold">
+                                          <p:stCondLst>
+                                            <p:cond delay="0"/>
+                                          </p:stCondLst>
+                                        </p:cTn>
+                                        <p:tgtEl>
+                                          <p:spTgt spid="12"/>
+                                        </p:tgtEl>
+                                        <p:attrNameLst>
+                                          <p:attrName>style.visibility</p:attrName>
+                                        </p:attrNameLst>
+                                      </p:cBhvr>
+                                      <p:to>
+                                        <p:strVal val="visible"/>
+                                      </p:to>
+                                    </p:set>
+                                  </p:childTnLst>
+                                </p:cTn>
+                              </p:par>
+                            </p:childTnLst>
+                          </p:cTn>
+                        </p:par>
+                      </p:childTnLst>
+                    </p:cTn>
+                  </p:par>
+                  <p:par>
+                    <p:cTn id="15" fill="hold">
+                      <p:stCondLst>
+                        <p:cond delay="indefinite"/>
+                      </p:stCondLst>
+                      <p:childTnLst>
+                        <p:par>
+                          <p:cTn id="16" fill="hold">
+                            <p:stCondLst>
+                              <p:cond delay="0"/>
+                            </p:stCondLst>
+                            <p:childTnLst>
+                              <p:par>
+                                <p:cTn id="17" presetID="1" presetClass="entr" presetSubtype="0" fill="hold" grpId="0" nodeType="clickEffect">
+                                  <p:stCondLst>
+                                    <p:cond delay="0"/>
+                                  </p:stCondLst>
+                                  <p:childTnLst>
+                                    <p:set>
+                                      <p:cBhvr>
+                                        <p:cTn id="18" dur="1" fill="hold">
+                                          <p:stCondLst>
+                                            <p:cond delay="0"/>
+                                          </p:stCondLst>
+                                        </p:cTn>
+                                        <p:tgtEl>
+                                          <p:spTgt spid="13"/>
+                                        </p:tgtEl>
+                                        <p:attrNameLst>
+                                          <p:attrName>style.visibility</p:attrName>
+                                        </p:attrNameLst>
+                                      </p:cBhvr>
+                                      <p:to>
+                                        <p:strVal val="visible"/>
+                                      </p:to>
+                                    </p:set>
+                                  </p:childTnLst>
+                                </p:cTn>
+                              </p:par>
+                            </p:childTnLst>
+                          </p:cTn>
+                        </p:par>
+                      </p:childTnLst>
+                    </p:cTn>
+                  </p:par>
+                  <p:par>
+                    <p:cTn id="19" fill="hold">
+                      <p:stCondLst>
+                        <p:cond delay="indefinite"/>
+                      </p:stCondLst>
+                      <p:childTnLst>
+                        <p:par>
+                          <p:cTn id="20" fill="hold">
+                            <p:stCondLst>
+                              <p:cond delay="0"/>
+                            </p:stCondLst>
+                            <p:childTnLst>
+                              <p:par>
+                                <p:cTn id="21" presetID="1" presetClass="entr" presetSubtype="0" fill="hold" grpId="0" nodeType="clickEffect">
+                                  <p:stCondLst>
+                                    <p:cond delay="0"/>
+                                  </p:stCondLst>
+                                  <p:childTnLst>
+                                    <p:set>
+                                      <p:cBhvr>
+                                        <p:cTn id="22" dur="1" fill="hold">
+                                          <p:stCondLst>
+                                            <p:cond delay="0"/>
+                                          </p:stCondLst>
+                                        </p:cTn>
+                                        <p:tgtEl>
+                                          <p:spTgt spid="15"/>
+                                        </p:tgtEl>
+                                        <p:attrNameLst>
+                                          <p:attrName>style.visibility</p:attrName>
+                                        </p:attrNameLst>
+                                      </p:cBhvr>
+                                      <p:to>
+                                        <p:strVal val="visible"/>
+                                      </p:to>
+                                    </p:set>
+                                  </p:childTnLst>
+                                </p:cTn>
+                              </p:par>
+                            </p:childTnLst>
+                          </p:cTn>
+                        </p:par>
+                      </p:childTnLst>
+                    </p:cTn>
+                  </p:par>
+                </p:childTnLst>
+              </p:cTn>
+              <p:prevCondLst>
+                <p:cond evt="onPrev" delay="0">
+                  <p:tgtEl>
+                    <p:sldTgt/>
+                  </p:tgtEl>
+                </p:cond>
+              </p:prevCondLst>
+              <p:nextCondLst>
+                <p:cond evt="onNext" delay="0">
+                  <p:tgtEl>
+                    <p:sldTgt/>
+                  </p:tgtEl>
+                </p:cond>
+              </p:nextCondLst>
+            </p:seq>
+          </p:childTnLst>
+        </p:cTn>
+      </p:par>
+    </p:tnLst>
+    <p:bldLst>
+      <p:bldP spid="11" grpId="0" animBg="1"/>
+      <p:bldP spid="12" grpId="0" animBg="1"/>
+      <p:bldP spid="13" grpId="0" animBg="1"/>
+      <p:bldP spid="15" grpId="0" animBg="1"/>
+    </p:bldLst>
+  </p:timing>
+</p:sld>
+</file>
+
+<file path=ppt/slides/slide9.xml><?xml version="1.0" encoding="utf-8"?>
+<p:sld xmlns:a="http://schemas.openxmlformats.org/drawingml/2006/main" xmlns:r="http://schemas.openxmlformats.org/officeDocument/2006/relationships" xmlns:p="http://schemas.openxmlformats.org/presentationml/2006/main">
+  <p:cSld>
+    <p:spTree>
+      <p:nvGrpSpPr>
+        <p:cNvPr id="1" name=""/>
+        <p:cNvGrpSpPr/>
+        <p:nvPr/>
+      </p:nvGrpSpPr>
+      <p:grpSpPr>
+        <a:xfrm>
+          <a:off x="0" y="0"/>
+          <a:ext cx="0" cy="0"/>
+          <a:chOff x="0" y="0"/>
+          <a:chExt cx="0" cy="0"/>
+        </a:xfrm>
+      </p:grpSpPr>
+      <p:sp>
+        <p:nvSpPr>
+          <p:cNvPr id="2" name="Title 1">
+            <a:extLst>
+              <a:ext uri="{FF2B5EF4-FFF2-40B4-BE49-F238E27FC236}">
+                <a16:creationId xmlns:a16="http://schemas.microsoft.com/office/drawing/2014/main" id="{BA723F8D-52A6-F084-D714-6F9512F7AA92}"/>
+              </a:ext>
+            </a:extLst>
+          </p:cNvPr>
+          <p:cNvSpPr>
+            <a:spLocks noGrp="1"/>
+          </p:cNvSpPr>
+          <p:nvPr>
+            <p:ph type="title"/>
+          </p:nvPr>
+        </p:nvSpPr>
+        <p:spPr/>
+        <p:txBody>
+          <a:bodyPr/>
+          <a:lstStyle/>
+          <a:p>
+            <a:r>
+              <a:rPr lang="en-US" dirty="0"/>
+              <a:t>Priority value search</a:t>
+            </a:r>
+          </a:p>
+        </p:txBody>
+      </p:sp>
+      <p:sp>
+        <p:nvSpPr>
+          <p:cNvPr id="3" name="Content Placeholder 2">
+            <a:extLst>
+              <a:ext uri="{FF2B5EF4-FFF2-40B4-BE49-F238E27FC236}">
+                <a16:creationId xmlns:a16="http://schemas.microsoft.com/office/drawing/2014/main" id="{37D33585-ACFE-84A2-7327-11AE5AC0633F}"/>
+              </a:ext>
+            </a:extLst>
+          </p:cNvPr>
+          <p:cNvSpPr>
+            <a:spLocks noGrp="1"/>
+          </p:cNvSpPr>
+          <p:nvPr>
+            <p:ph idx="1"/>
+          </p:nvPr>
+        </p:nvSpPr>
+        <p:spPr>
+          <a:xfrm>
+            <a:off x="867345" y="1253567"/>
+            <a:ext cx="10515600" cy="627063"/>
+          </a:xfrm>
+        </p:spPr>
+        <p:txBody>
+          <a:bodyPr>
+            <a:normAutofit/>
+          </a:bodyPr>
+          <a:lstStyle/>
+          <a:p>
+            <a:r>
+              <a:rPr lang="en-US" dirty="0"/>
+              <a:t>Try least frequent number first for cells in row-by-row fashion</a:t>
+            </a:r>
+          </a:p>
+        </p:txBody>
+      </p:sp>
+      <p:sp>
+        <p:nvSpPr>
+          <p:cNvPr id="6" name="Slide Number Placeholder 5">
+            <a:extLst>
+              <a:ext uri="{FF2B5EF4-FFF2-40B4-BE49-F238E27FC236}">
+                <a16:creationId xmlns:a16="http://schemas.microsoft.com/office/drawing/2014/main" id="{611225DF-2DC0-354D-0BA0-18490C09DB85}"/>
+              </a:ext>
+            </a:extLst>
+          </p:cNvPr>
+          <p:cNvSpPr>
+            <a:spLocks noGrp="1"/>
+          </p:cNvSpPr>
+          <p:nvPr>
+            <p:ph type="sldNum" sz="quarter" idx="12"/>
+          </p:nvPr>
+        </p:nvSpPr>
+        <p:spPr/>
+        <p:txBody>
+          <a:bodyPr/>
+          <a:lstStyle/>
+          <a:p>
+            <a:fld id="{A4D01DF2-AD9E-4D0E-A47B-E33AEFA120BE}" type="slidenum">
+              <a:rPr lang="en-US" smtClean="0"/>
+              <a:t>9</a:t>
             </a:fld>
             <a:endParaRPr lang="en-US"/>
           </a:p>
@@ -10034,6 +11137,168 @@
               <a:rPr lang="en-US" dirty="0"/>
               <a:t>V</a:t>
             </a:r>
+          </a:p>
+        </p:txBody>
+      </p:sp>
+      <p:sp>
+        <p:nvSpPr>
+          <p:cNvPr id="11" name="Rectangle 10">
+            <a:extLst>
+              <a:ext uri="{FF2B5EF4-FFF2-40B4-BE49-F238E27FC236}">
+                <a16:creationId xmlns:a16="http://schemas.microsoft.com/office/drawing/2014/main" id="{8DA447A8-FBB8-6E02-F3C2-F6C0F89568C1}"/>
+              </a:ext>
+            </a:extLst>
+          </p:cNvPr>
+          <p:cNvSpPr/>
+          <p:nvPr/>
+        </p:nvSpPr>
+        <p:spPr>
+          <a:xfrm>
+            <a:off x="3451680" y="2488863"/>
+            <a:ext cx="2498406" cy="423142"/>
+          </a:xfrm>
+          <a:prstGeom prst="rect">
+            <a:avLst/>
+          </a:prstGeom>
+          <a:noFill/>
+          <a:ln w="38100">
+            <a:solidFill>
+              <a:srgbClr val="FF0000"/>
+            </a:solidFill>
+          </a:ln>
+        </p:spPr>
+        <p:style>
+          <a:lnRef idx="2">
+            <a:schemeClr val="accent1">
+              <a:shade val="15000"/>
+            </a:schemeClr>
+          </a:lnRef>
+          <a:fillRef idx="1">
+            <a:schemeClr val="accent1"/>
+          </a:fillRef>
+          <a:effectRef idx="0">
+            <a:schemeClr val="accent1"/>
+          </a:effectRef>
+          <a:fontRef idx="minor">
+            <a:schemeClr val="lt1"/>
+          </a:fontRef>
+        </p:style>
+        <p:txBody>
+          <a:bodyPr rtlCol="0" anchor="ctr"/>
+          <a:lstStyle/>
+          <a:p>
+            <a:pPr algn="ctr"/>
+            <a:endParaRPr lang="en-US">
+              <a:noFill/>
+            </a:endParaRPr>
+          </a:p>
+        </p:txBody>
+      </p:sp>
+      <p:sp>
+        <p:nvSpPr>
+          <p:cNvPr id="12" name="Rectangle 11">
+            <a:extLst>
+              <a:ext uri="{FF2B5EF4-FFF2-40B4-BE49-F238E27FC236}">
+                <a16:creationId xmlns:a16="http://schemas.microsoft.com/office/drawing/2014/main" id="{4D2FDA64-7CD7-22BC-5F94-E5568B215DEE}"/>
+              </a:ext>
+            </a:extLst>
+          </p:cNvPr>
+          <p:cNvSpPr/>
+          <p:nvPr/>
+        </p:nvSpPr>
+        <p:spPr>
+          <a:xfrm>
+            <a:off x="2592562" y="3762634"/>
+            <a:ext cx="422482" cy="2477914"/>
+          </a:xfrm>
+          <a:prstGeom prst="rect">
+            <a:avLst/>
+          </a:prstGeom>
+          <a:noFill/>
+          <a:ln w="38100">
+            <a:solidFill>
+              <a:srgbClr val="FF0000"/>
+            </a:solidFill>
+          </a:ln>
+        </p:spPr>
+        <p:style>
+          <a:lnRef idx="2">
+            <a:schemeClr val="accent1">
+              <a:shade val="15000"/>
+            </a:schemeClr>
+          </a:lnRef>
+          <a:fillRef idx="1">
+            <a:schemeClr val="accent1"/>
+          </a:fillRef>
+          <a:effectRef idx="0">
+            <a:schemeClr val="accent1"/>
+          </a:effectRef>
+          <a:fontRef idx="minor">
+            <a:schemeClr val="lt1"/>
+          </a:fontRef>
+        </p:style>
+        <p:txBody>
+          <a:bodyPr rtlCol="0" anchor="ctr"/>
+          <a:lstStyle/>
+          <a:p>
+            <a:pPr algn="ctr"/>
+            <a:endParaRPr lang="en-US">
+              <a:noFill/>
+            </a:endParaRPr>
+          </a:p>
+        </p:txBody>
+      </p:sp>
+      <p:sp>
+        <p:nvSpPr>
+          <p:cNvPr id="13" name="Rectangle 12">
+            <a:extLst>
+              <a:ext uri="{FF2B5EF4-FFF2-40B4-BE49-F238E27FC236}">
+                <a16:creationId xmlns:a16="http://schemas.microsoft.com/office/drawing/2014/main" id="{5F6E1934-95DF-34EB-4AAB-EC98DF902380}"/>
+              </a:ext>
+            </a:extLst>
+          </p:cNvPr>
+          <p:cNvSpPr/>
+          <p:nvPr/>
+        </p:nvSpPr>
+        <p:spPr>
+          <a:xfrm>
+            <a:off x="2165992" y="2493176"/>
+            <a:ext cx="1271587" cy="1257300"/>
+          </a:xfrm>
+          <a:prstGeom prst="rect">
+            <a:avLst/>
+          </a:prstGeom>
+          <a:noFill/>
+          <a:ln w="38100">
+            <a:solidFill>
+              <a:srgbClr val="FF0000"/>
+            </a:solidFill>
+          </a:ln>
+        </p:spPr>
+        <p:style>
+          <a:lnRef idx="2">
+            <a:schemeClr val="accent1">
+              <a:shade val="15000"/>
+            </a:schemeClr>
+          </a:lnRef>
+          <a:fillRef idx="1">
+            <a:schemeClr val="accent1"/>
+          </a:fillRef>
+          <a:effectRef idx="0">
+            <a:schemeClr val="accent1"/>
+          </a:effectRef>
+          <a:fontRef idx="minor">
+            <a:schemeClr val="lt1"/>
+          </a:fontRef>
+        </p:style>
+        <p:txBody>
+          <a:bodyPr rtlCol="0" anchor="ctr"/>
+          <a:lstStyle/>
+          <a:p>
+            <a:pPr algn="ctr"/>
+            <a:endParaRPr lang="en-US">
+              <a:noFill/>
+            </a:endParaRPr>
           </a:p>
         </p:txBody>
       </p:sp>
@@ -10477,7 +11742,7 @@
                                           </p:stCondLst>
                                         </p:cTn>
                                         <p:tgtEl>
-                                          <p:spTgt spid="35"/>
+                                          <p:spTgt spid="13"/>
                                         </p:tgtEl>
                                         <p:attrNameLst>
                                           <p:attrName>style.visibility</p:attrName>
@@ -10522,6 +11787,141 @@
                                           </p:stCondLst>
                                         </p:cTn>
                                         <p:tgtEl>
+                                          <p:spTgt spid="11"/>
+                                        </p:tgtEl>
+                                        <p:attrNameLst>
+                                          <p:attrName>style.visibility</p:attrName>
+                                        </p:attrNameLst>
+                                      </p:cBhvr>
+                                      <p:to>
+                                        <p:strVal val="visible"/>
+                                      </p:to>
+                                    </p:set>
+                                  </p:childTnLst>
+                                </p:cTn>
+                              </p:par>
+                            </p:childTnLst>
+                          </p:cTn>
+                        </p:par>
+                      </p:childTnLst>
+                    </p:cTn>
+                  </p:par>
+                  <p:par>
+                    <p:cTn id="43" fill="hold">
+                      <p:stCondLst>
+                        <p:cond delay="indefinite"/>
+                      </p:stCondLst>
+                      <p:childTnLst>
+                        <p:par>
+                          <p:cTn id="44" fill="hold">
+                            <p:stCondLst>
+                              <p:cond delay="0"/>
+                            </p:stCondLst>
+                            <p:childTnLst>
+                              <p:par>
+                                <p:cTn id="45" presetID="1" presetClass="entr" presetSubtype="0" fill="hold" grpId="0" nodeType="clickEffect">
+                                  <p:stCondLst>
+                                    <p:cond delay="0"/>
+                                  </p:stCondLst>
+                                  <p:childTnLst>
+                                    <p:set>
+                                      <p:cBhvr>
+                                        <p:cTn id="46" dur="1" fill="hold">
+                                          <p:stCondLst>
+                                            <p:cond delay="0"/>
+                                          </p:stCondLst>
+                                        </p:cTn>
+                                        <p:tgtEl>
+                                          <p:spTgt spid="12"/>
+                                        </p:tgtEl>
+                                        <p:attrNameLst>
+                                          <p:attrName>style.visibility</p:attrName>
+                                        </p:attrNameLst>
+                                      </p:cBhvr>
+                                      <p:to>
+                                        <p:strVal val="visible"/>
+                                      </p:to>
+                                    </p:set>
+                                  </p:childTnLst>
+                                </p:cTn>
+                              </p:par>
+                            </p:childTnLst>
+                          </p:cTn>
+                        </p:par>
+                      </p:childTnLst>
+                    </p:cTn>
+                  </p:par>
+                  <p:par>
+                    <p:cTn id="47" fill="hold">
+                      <p:stCondLst>
+                        <p:cond delay="indefinite"/>
+                      </p:stCondLst>
+                      <p:childTnLst>
+                        <p:par>
+                          <p:cTn id="48" fill="hold">
+                            <p:stCondLst>
+                              <p:cond delay="0"/>
+                            </p:stCondLst>
+                            <p:childTnLst>
+                              <p:par>
+                                <p:cTn id="49" presetID="1" presetClass="entr" presetSubtype="0" fill="hold" grpId="0" nodeType="clickEffect">
+                                  <p:stCondLst>
+                                    <p:cond delay="0"/>
+                                  </p:stCondLst>
+                                  <p:childTnLst>
+                                    <p:set>
+                                      <p:cBhvr>
+                                        <p:cTn id="50" dur="1" fill="hold">
+                                          <p:stCondLst>
+                                            <p:cond delay="0"/>
+                                          </p:stCondLst>
+                                        </p:cTn>
+                                        <p:tgtEl>
+                                          <p:spTgt spid="35"/>
+                                        </p:tgtEl>
+                                        <p:attrNameLst>
+                                          <p:attrName>style.visibility</p:attrName>
+                                        </p:attrNameLst>
+                                      </p:cBhvr>
+                                      <p:to>
+                                        <p:strVal val="visible"/>
+                                      </p:to>
+                                    </p:set>
+                                  </p:childTnLst>
+                                </p:cTn>
+                              </p:par>
+                            </p:childTnLst>
+                          </p:cTn>
+                        </p:par>
+                      </p:childTnLst>
+                    </p:cTn>
+                  </p:par>
+                  <p:par>
+                    <p:cTn id="51" fill="hold">
+                      <p:stCondLst>
+                        <p:cond delay="indefinite"/>
+                      </p:stCondLst>
+                      <p:childTnLst>
+                        <p:par>
+                          <p:cTn id="52" fill="hold">
+                            <p:stCondLst>
+                              <p:cond delay="0"/>
+                            </p:stCondLst>
+                            <p:childTnLst>
+                              <p:par>
+                                <p:cTn id="53" presetID="1" presetClass="entr" presetSubtype="0" fill="hold" grpId="0" nodeType="clickEffect">
+                                  <p:stCondLst>
+                                    <p:cond delay="0"/>
+                                  </p:stCondLst>
+                                  <p:childTnLst>
+                                    <p:set>
+                                      <p:cBhvr>
+                                        <p:cTn id="54" dur="1" fill="hold">
+                                          <p:stCondLst>
+                                            <p:cond delay="0"/>
+                                          </p:stCondLst>
+                                        </p:cTn>
+                                        <p:tgtEl>
                                           <p:spTgt spid="40"/>
                                         </p:tgtEl>
                                         <p:attrNameLst>
@@ -10536,14 +11936,14 @@
                                 </p:cTn>
                               </p:par>
                               <p:par>
-                                <p:cTn id="43" presetID="1" presetClass="entr" presetSubtype="0" fill="hold" grpId="0" nodeType="withEffect">
+                                <p:cTn id="55" presetID="1" presetClass="entr" presetSubtype="0" fill="hold" grpId="0" nodeType="withEffect">
                                   <p:stCondLst>
                                     <p:cond delay="0"/>
                                   </p:stCondLst>
                                   <p:childTnLst>
                                     <p:set>
                                       <p:cBhvr>
-                                        <p:cTn id="44" dur="1" fill="hold">
+                                        <p:cTn id="56" dur="1" fill="hold">
                                           <p:stCondLst>
                                             <p:cond delay="0"/>
                                           </p:stCondLst>
@@ -10563,14 +11963,14 @@
                                 </p:cTn>
                               </p:par>
                               <p:par>
-                                <p:cTn id="45" presetID="1" presetClass="entr" presetSubtype="0" fill="hold" grpId="0" nodeType="withEffect">
+                                <p:cTn id="57" presetID="1" presetClass="entr" presetSubtype="0" fill="hold" grpId="0" nodeType="withEffect">
                                   <p:stCondLst>
                                     <p:cond delay="0"/>
                                   </p:stCondLst>
                                   <p:childTnLst>
                                     <p:set>
                                       <p:cBhvr>
-                                        <p:cTn id="46" dur="1" fill="hold">
+                                        <p:cTn id="58" dur="1" fill="hold">
                                           <p:stCondLst>
                                             <p:cond delay="0"/>
                                           </p:stCondLst>
@@ -10590,14 +11990,14 @@
                                 </p:cTn>
                               </p:par>
                               <p:par>
-                                <p:cTn id="47" presetID="1" presetClass="entr" presetSubtype="0" fill="hold" grpId="0" nodeType="withEffect">
+                                <p:cTn id="59" presetID="1" presetClass="entr" presetSubtype="0" fill="hold" grpId="0" nodeType="withEffect">
                                   <p:stCondLst>
                                     <p:cond delay="0"/>
                                   </p:stCondLst>
                                   <p:childTnLst>
                                     <p:set>
                                       <p:cBhvr>
-                                        <p:cTn id="48" dur="1" fill="hold">
+                                        <p:cTn id="60" dur="1" fill="hold">
                                           <p:stCondLst>
                                             <p:cond delay="0"/>
                                           </p:stCondLst>
@@ -10617,14 +12017,14 @@
                                 </p:cTn>
                               </p:par>
                               <p:par>
-                                <p:cTn id="49" presetID="1" presetClass="entr" presetSubtype="0" fill="hold" grpId="0" nodeType="withEffect">
+                                <p:cTn id="61" presetID="1" presetClass="entr" presetSubtype="0" fill="hold" grpId="0" nodeType="withEffect">
                                   <p:stCondLst>
                                     <p:cond delay="0"/>
                                   </p:stCondLst>
                                   <p:childTnLst>
                                     <p:set>
                                       <p:cBhvr>
-                                        <p:cTn id="50" dur="1" fill="hold">
+                                        <p:cTn id="62" dur="1" fill="hold">
                                           <p:stCondLst>
                                             <p:cond delay="0"/>
                                           </p:stCondLst>
@@ -10688,123 +12088,11 @@
       <p:bldP spid="38" grpId="0"/>
       <p:bldP spid="39" grpId="0"/>
       <p:bldP spid="40" grpId="0"/>
+      <p:bldP spid="11" grpId="0" animBg="1"/>
+      <p:bldP spid="12" grpId="0" animBg="1"/>
+      <p:bldP spid="13" grpId="0" animBg="1"/>
     </p:bldLst>
   </p:timing>
-</p:sld>
-</file>
-
-<file path=ppt/slides/slide9.xml><?xml version="1.0" encoding="utf-8"?>
-<p:sld xmlns:a="http://schemas.openxmlformats.org/drawingml/2006/main" xmlns:r="http://schemas.openxmlformats.org/officeDocument/2006/relationships" xmlns:p="http://schemas.openxmlformats.org/presentationml/2006/main">
-  <p:cSld>
-    <p:spTree>
-      <p:nvGrpSpPr>
-        <p:cNvPr id="1" name=""/>
-        <p:cNvGrpSpPr/>
-        <p:nvPr/>
-      </p:nvGrpSpPr>
-      <p:grpSpPr>
-        <a:xfrm>
-          <a:off x="0" y="0"/>
-          <a:ext cx="0" cy="0"/>
-          <a:chOff x="0" y="0"/>
-          <a:chExt cx="0" cy="0"/>
-        </a:xfrm>
-      </p:grpSpPr>
-      <p:sp>
-        <p:nvSpPr>
-          <p:cNvPr id="2" name="Title 1">
-            <a:extLst>
-              <a:ext uri="{FF2B5EF4-FFF2-40B4-BE49-F238E27FC236}">
-                <a16:creationId xmlns:a16="http://schemas.microsoft.com/office/drawing/2014/main" id="{C6612C75-2433-7C44-AA24-E7EBB320A811}"/>
-              </a:ext>
-            </a:extLst>
-          </p:cNvPr>
-          <p:cNvSpPr>
-            <a:spLocks noGrp="1"/>
-          </p:cNvSpPr>
-          <p:nvPr>
-            <p:ph type="title"/>
-          </p:nvPr>
-        </p:nvSpPr>
-        <p:spPr/>
-        <p:txBody>
-          <a:bodyPr/>
-          <a:lstStyle/>
-          <a:p>
-            <a:r>
-              <a:rPr lang="en-US" dirty="0"/>
-              <a:t>Results</a:t>
-            </a:r>
-          </a:p>
-        </p:txBody>
-      </p:sp>
-      <p:sp>
-        <p:nvSpPr>
-          <p:cNvPr id="3" name="Content Placeholder 2">
-            <a:extLst>
-              <a:ext uri="{FF2B5EF4-FFF2-40B4-BE49-F238E27FC236}">
-                <a16:creationId xmlns:a16="http://schemas.microsoft.com/office/drawing/2014/main" id="{6E771AC4-B0CC-B7A6-E379-EA2454C9F769}"/>
-              </a:ext>
-            </a:extLst>
-          </p:cNvPr>
-          <p:cNvSpPr>
-            <a:spLocks noGrp="1"/>
-          </p:cNvSpPr>
-          <p:nvPr>
-            <p:ph idx="1"/>
-          </p:nvPr>
-        </p:nvSpPr>
-        <p:spPr/>
-        <p:txBody>
-          <a:bodyPr/>
-          <a:lstStyle/>
-          <a:p>
-            <a:r>
-              <a:rPr lang="en-US" dirty="0"/>
-              <a:t>All approaches were run on 300 “hard” sudokus and some stats were calculated</a:t>
-            </a:r>
-          </a:p>
-        </p:txBody>
-      </p:sp>
-      <p:sp>
-        <p:nvSpPr>
-          <p:cNvPr id="4" name="Slide Number Placeholder 3">
-            <a:extLst>
-              <a:ext uri="{FF2B5EF4-FFF2-40B4-BE49-F238E27FC236}">
-                <a16:creationId xmlns:a16="http://schemas.microsoft.com/office/drawing/2014/main" id="{AA1C7C20-498B-136B-3069-80F2C7C82B7B}"/>
-              </a:ext>
-            </a:extLst>
-          </p:cNvPr>
-          <p:cNvSpPr>
-            <a:spLocks noGrp="1"/>
-          </p:cNvSpPr>
-          <p:nvPr>
-            <p:ph type="sldNum" sz="quarter" idx="12"/>
-          </p:nvPr>
-        </p:nvSpPr>
-        <p:spPr/>
-        <p:txBody>
-          <a:bodyPr/>
-          <a:lstStyle/>
-          <a:p>
-            <a:fld id="{A4D01DF2-AD9E-4D0E-A47B-E33AEFA120BE}" type="slidenum">
-              <a:rPr lang="en-US" smtClean="0"/>
-              <a:t>9</a:t>
-            </a:fld>
-            <a:endParaRPr lang="en-US"/>
-          </a:p>
-        </p:txBody>
-      </p:sp>
-    </p:spTree>
-    <p:extLst>
-      <p:ext uri="{BB962C8B-B14F-4D97-AF65-F5344CB8AC3E}">
-        <p14:creationId xmlns:p14="http://schemas.microsoft.com/office/powerpoint/2010/main" val="1894648586"/>
-      </p:ext>
-    </p:extLst>
-  </p:cSld>
-  <p:clrMapOvr>
-    <a:masterClrMapping/>
-  </p:clrMapOvr>
 </p:sld>
 </file>
 

--- a/Sudoku Solver.pptx
+++ b/Sudoku Solver.pptx
@@ -5,7 +5,7 @@
     <p:sldMasterId id="2147483648" r:id="rId1"/>
   </p:sldMasterIdLst>
   <p:notesMasterIdLst>
-    <p:notesMasterId r:id="rId12"/>
+    <p:notesMasterId r:id="rId13"/>
   </p:notesMasterIdLst>
   <p:sldIdLst>
     <p:sldId id="256" r:id="rId2"/>
@@ -18,6 +18,7 @@
     <p:sldId id="268" r:id="rId9"/>
     <p:sldId id="265" r:id="rId10"/>
     <p:sldId id="266" r:id="rId11"/>
+    <p:sldId id="269" r:id="rId12"/>
   </p:sldIdLst>
   <p:sldSz cx="12192000" cy="6858000"/>
   <p:notesSz cx="6858000" cy="9144000"/>
@@ -3853,14 +3854,21 @@
             <p:ph idx="1"/>
           </p:nvPr>
         </p:nvSpPr>
-        <p:spPr/>
-        <p:txBody>
-          <a:bodyPr/>
+        <p:spPr>
+          <a:xfrm>
+            <a:off x="838200" y="1825625"/>
+            <a:ext cx="10515600" cy="855663"/>
+          </a:xfrm>
+        </p:spPr>
+        <p:txBody>
+          <a:bodyPr>
+            <a:normAutofit lnSpcReduction="10000"/>
+          </a:bodyPr>
           <a:lstStyle/>
           <a:p>
             <a:r>
               <a:rPr lang="en-US" dirty="0"/>
-              <a:t>All approaches were run on 300 “hard” sudokus and some stats were calculated</a:t>
+              <a:t>All approaches were run on 300 “hard” sudokus and number of calls and total solving time was calculated.</a:t>
             </a:r>
           </a:p>
         </p:txBody>
@@ -3894,10 +3902,188 @@
           </a:p>
         </p:txBody>
       </p:sp>
+      <p:graphicFrame>
+        <p:nvGraphicFramePr>
+          <p:cNvPr id="8" name="Object 7">
+            <a:extLst>
+              <a:ext uri="{FF2B5EF4-FFF2-40B4-BE49-F238E27FC236}">
+                <a16:creationId xmlns:a16="http://schemas.microsoft.com/office/drawing/2014/main" id="{53E8E329-7C23-CE85-B12F-B83E7CC7E681}"/>
+              </a:ext>
+            </a:extLst>
+          </p:cNvPr>
+          <p:cNvGraphicFramePr>
+            <a:graphicFrameLocks noChangeAspect="1"/>
+          </p:cNvGraphicFramePr>
+          <p:nvPr>
+            <p:extLst>
+              <p:ext uri="{D42A27DB-BD31-4B8C-83A1-F6EECF244321}">
+                <p14:modId xmlns:p14="http://schemas.microsoft.com/office/powerpoint/2010/main" val="532164063"/>
+              </p:ext>
+            </p:extLst>
+          </p:nvPr>
+        </p:nvGraphicFramePr>
+        <p:xfrm>
+          <a:off x="2205037" y="2816225"/>
+          <a:ext cx="9148763" cy="3865743"/>
+        </p:xfrm>
+        <a:graphic>
+          <a:graphicData uri="http://schemas.openxmlformats.org/presentationml/2006/ole">
+            <mc:AlternateContent xmlns:mc="http://schemas.openxmlformats.org/markup-compatibility/2006">
+              <mc:Choice xmlns:v="urn:schemas-microsoft-com:vml" Requires="v">
+                <p:oleObj name="Document" r:id="rId2" imgW="5944043" imgH="2511810" progId="Word.Document.12">
+                  <p:embed/>
+                </p:oleObj>
+              </mc:Choice>
+              <mc:Fallback>
+                <p:oleObj name="Document" r:id="rId2" imgW="5944043" imgH="2511810" progId="Word.Document.12">
+                  <p:embed/>
+                  <p:pic>
+                    <p:nvPicPr>
+                      <p:cNvPr id="0" name=""/>
+                      <p:cNvPicPr/>
+                      <p:nvPr/>
+                    </p:nvPicPr>
+                    <p:blipFill>
+                      <a:blip r:embed="rId3"/>
+                      <a:stretch>
+                        <a:fillRect/>
+                      </a:stretch>
+                    </p:blipFill>
+                    <p:spPr>
+                      <a:xfrm>
+                        <a:off x="2205037" y="2816225"/>
+                        <a:ext cx="9148763" cy="3865743"/>
+                      </a:xfrm>
+                      <a:prstGeom prst="rect">
+                        <a:avLst/>
+                      </a:prstGeom>
+                    </p:spPr>
+                  </p:pic>
+                </p:oleObj>
+              </mc:Fallback>
+            </mc:AlternateContent>
+          </a:graphicData>
+        </a:graphic>
+      </p:graphicFrame>
     </p:spTree>
     <p:extLst>
       <p:ext uri="{BB962C8B-B14F-4D97-AF65-F5344CB8AC3E}">
         <p14:creationId xmlns:p14="http://schemas.microsoft.com/office/powerpoint/2010/main" val="1894648586"/>
+      </p:ext>
+    </p:extLst>
+  </p:cSld>
+  <p:clrMapOvr>
+    <a:masterClrMapping/>
+  </p:clrMapOvr>
+</p:sld>
+</file>
+
+<file path=ppt/slides/slide11.xml><?xml version="1.0" encoding="utf-8"?>
+<p:sld xmlns:a="http://schemas.openxmlformats.org/drawingml/2006/main" xmlns:r="http://schemas.openxmlformats.org/officeDocument/2006/relationships" xmlns:p="http://schemas.openxmlformats.org/presentationml/2006/main">
+  <p:cSld>
+    <p:spTree>
+      <p:nvGrpSpPr>
+        <p:cNvPr id="1" name=""/>
+        <p:cNvGrpSpPr/>
+        <p:nvPr/>
+      </p:nvGrpSpPr>
+      <p:grpSpPr>
+        <a:xfrm>
+          <a:off x="0" y="0"/>
+          <a:ext cx="0" cy="0"/>
+          <a:chOff x="0" y="0"/>
+          <a:chExt cx="0" cy="0"/>
+        </a:xfrm>
+      </p:grpSpPr>
+      <p:sp>
+        <p:nvSpPr>
+          <p:cNvPr id="2" name="Title 1">
+            <a:extLst>
+              <a:ext uri="{FF2B5EF4-FFF2-40B4-BE49-F238E27FC236}">
+                <a16:creationId xmlns:a16="http://schemas.microsoft.com/office/drawing/2014/main" id="{7D8AFE4B-6D8F-1474-103F-AFC7F86C7D6A}"/>
+              </a:ext>
+            </a:extLst>
+          </p:cNvPr>
+          <p:cNvSpPr>
+            <a:spLocks noGrp="1"/>
+          </p:cNvSpPr>
+          <p:nvPr>
+            <p:ph type="title"/>
+          </p:nvPr>
+        </p:nvSpPr>
+        <p:spPr/>
+        <p:txBody>
+          <a:bodyPr/>
+          <a:lstStyle/>
+          <a:p>
+            <a:r>
+              <a:rPr lang="en-US" dirty="0"/>
+              <a:t>Thank you</a:t>
+            </a:r>
+          </a:p>
+        </p:txBody>
+      </p:sp>
+      <p:sp>
+        <p:nvSpPr>
+          <p:cNvPr id="3" name="Content Placeholder 2">
+            <a:extLst>
+              <a:ext uri="{FF2B5EF4-FFF2-40B4-BE49-F238E27FC236}">
+                <a16:creationId xmlns:a16="http://schemas.microsoft.com/office/drawing/2014/main" id="{24BB7FFB-C0D9-7953-836D-5356FE87D48C}"/>
+              </a:ext>
+            </a:extLst>
+          </p:cNvPr>
+          <p:cNvSpPr>
+            <a:spLocks noGrp="1"/>
+          </p:cNvSpPr>
+          <p:nvPr>
+            <p:ph idx="1"/>
+          </p:nvPr>
+        </p:nvSpPr>
+        <p:spPr/>
+        <p:txBody>
+          <a:bodyPr/>
+          <a:lstStyle/>
+          <a:p>
+            <a:r>
+              <a:rPr lang="en-US" dirty="0"/>
+              <a:t>Q&amp;A</a:t>
+            </a:r>
+          </a:p>
+        </p:txBody>
+      </p:sp>
+      <p:sp>
+        <p:nvSpPr>
+          <p:cNvPr id="4" name="Slide Number Placeholder 3">
+            <a:extLst>
+              <a:ext uri="{FF2B5EF4-FFF2-40B4-BE49-F238E27FC236}">
+                <a16:creationId xmlns:a16="http://schemas.microsoft.com/office/drawing/2014/main" id="{BFC4E0AC-0BF0-AF86-66E7-63A67B9ED458}"/>
+              </a:ext>
+            </a:extLst>
+          </p:cNvPr>
+          <p:cNvSpPr>
+            <a:spLocks noGrp="1"/>
+          </p:cNvSpPr>
+          <p:nvPr>
+            <p:ph type="sldNum" sz="quarter" idx="12"/>
+          </p:nvPr>
+        </p:nvSpPr>
+        <p:spPr/>
+        <p:txBody>
+          <a:bodyPr/>
+          <a:lstStyle/>
+          <a:p>
+            <a:fld id="{A4D01DF2-AD9E-4D0E-A47B-E33AEFA120BE}" type="slidenum">
+              <a:rPr lang="en-US" smtClean="0"/>
+              <a:t>11</a:t>
+            </a:fld>
+            <a:endParaRPr lang="en-US"/>
+          </a:p>
+        </p:txBody>
+      </p:sp>
+    </p:spTree>
+    <p:extLst>
+      <p:ext uri="{BB962C8B-B14F-4D97-AF65-F5344CB8AC3E}">
+        <p14:creationId xmlns:p14="http://schemas.microsoft.com/office/powerpoint/2010/main" val="3239143995"/>
       </p:ext>
     </p:extLst>
   </p:cSld>
@@ -4895,7 +5081,7 @@
             <a:pPr lvl="1"/>
             <a:r>
               <a:rPr lang="en-US" dirty="0"/>
-              <a:t>Hidden singles</a:t>
+              <a:t>Hidden singles with Cell Prioritization</a:t>
             </a:r>
           </a:p>
           <a:p>

--- a/Sudoku Solver.pptx
+++ b/Sudoku Solver.pptx
@@ -3902,69 +3902,6 @@
           </a:p>
         </p:txBody>
       </p:sp>
-      <p:graphicFrame>
-        <p:nvGraphicFramePr>
-          <p:cNvPr id="8" name="Object 7">
-            <a:extLst>
-              <a:ext uri="{FF2B5EF4-FFF2-40B4-BE49-F238E27FC236}">
-                <a16:creationId xmlns:a16="http://schemas.microsoft.com/office/drawing/2014/main" id="{53E8E329-7C23-CE85-B12F-B83E7CC7E681}"/>
-              </a:ext>
-            </a:extLst>
-          </p:cNvPr>
-          <p:cNvGraphicFramePr>
-            <a:graphicFrameLocks noChangeAspect="1"/>
-          </p:cNvGraphicFramePr>
-          <p:nvPr>
-            <p:extLst>
-              <p:ext uri="{D42A27DB-BD31-4B8C-83A1-F6EECF244321}">
-                <p14:modId xmlns:p14="http://schemas.microsoft.com/office/powerpoint/2010/main" val="532164063"/>
-              </p:ext>
-            </p:extLst>
-          </p:nvPr>
-        </p:nvGraphicFramePr>
-        <p:xfrm>
-          <a:off x="2205037" y="2816225"/>
-          <a:ext cx="9148763" cy="3865743"/>
-        </p:xfrm>
-        <a:graphic>
-          <a:graphicData uri="http://schemas.openxmlformats.org/presentationml/2006/ole">
-            <mc:AlternateContent xmlns:mc="http://schemas.openxmlformats.org/markup-compatibility/2006">
-              <mc:Choice xmlns:v="urn:schemas-microsoft-com:vml" Requires="v">
-                <p:oleObj name="Document" r:id="rId2" imgW="5944043" imgH="2511810" progId="Word.Document.12">
-                  <p:embed/>
-                </p:oleObj>
-              </mc:Choice>
-              <mc:Fallback>
-                <p:oleObj name="Document" r:id="rId2" imgW="5944043" imgH="2511810" progId="Word.Document.12">
-                  <p:embed/>
-                  <p:pic>
-                    <p:nvPicPr>
-                      <p:cNvPr id="0" name=""/>
-                      <p:cNvPicPr/>
-                      <p:nvPr/>
-                    </p:nvPicPr>
-                    <p:blipFill>
-                      <a:blip r:embed="rId3"/>
-                      <a:stretch>
-                        <a:fillRect/>
-                      </a:stretch>
-                    </p:blipFill>
-                    <p:spPr>
-                      <a:xfrm>
-                        <a:off x="2205037" y="2816225"/>
-                        <a:ext cx="9148763" cy="3865743"/>
-                      </a:xfrm>
-                      <a:prstGeom prst="rect">
-                        <a:avLst/>
-                      </a:prstGeom>
-                    </p:spPr>
-                  </p:pic>
-                </p:oleObj>
-              </mc:Fallback>
-            </mc:AlternateContent>
-          </a:graphicData>
-        </a:graphic>
-      </p:graphicFrame>
     </p:spTree>
     <p:extLst>
       <p:ext uri="{BB962C8B-B14F-4D97-AF65-F5344CB8AC3E}">
@@ -9007,6 +8944,55 @@
           </a:p>
         </p:txBody>
       </p:sp>
+      <p:sp>
+        <p:nvSpPr>
+          <p:cNvPr id="14" name="Multiplication Sign 13">
+            <a:extLst>
+              <a:ext uri="{FF2B5EF4-FFF2-40B4-BE49-F238E27FC236}">
+                <a16:creationId xmlns:a16="http://schemas.microsoft.com/office/drawing/2014/main" id="{725748CF-C913-DC8B-01CC-83E7E3AA7FF0}"/>
+              </a:ext>
+            </a:extLst>
+          </p:cNvPr>
+          <p:cNvSpPr/>
+          <p:nvPr/>
+        </p:nvSpPr>
+        <p:spPr>
+          <a:xfrm>
+            <a:off x="2817874" y="2617281"/>
+            <a:ext cx="104386" cy="177868"/>
+          </a:xfrm>
+          <a:prstGeom prst="mathMultiply">
+            <a:avLst/>
+          </a:prstGeom>
+          <a:solidFill>
+            <a:srgbClr val="FF0000"/>
+          </a:solidFill>
+        </p:spPr>
+        <p:style>
+          <a:lnRef idx="2">
+            <a:schemeClr val="accent1">
+              <a:shade val="15000"/>
+            </a:schemeClr>
+          </a:lnRef>
+          <a:fillRef idx="1">
+            <a:schemeClr val="accent1"/>
+          </a:fillRef>
+          <a:effectRef idx="0">
+            <a:schemeClr val="accent1"/>
+          </a:effectRef>
+          <a:fontRef idx="minor">
+            <a:schemeClr val="lt1"/>
+          </a:fontRef>
+        </p:style>
+        <p:txBody>
+          <a:bodyPr rtlCol="0" anchor="ctr"/>
+          <a:lstStyle/>
+          <a:p>
+            <a:pPr algn="ctr"/>
+            <a:endParaRPr lang="en-US"/>
+          </a:p>
+        </p:txBody>
+      </p:sp>
     </p:spTree>
     <p:extLst>
       <p:ext uri="{BB962C8B-B14F-4D97-AF65-F5344CB8AC3E}">
@@ -9493,6 +9479,51 @@
                       </p:childTnLst>
                     </p:cTn>
                   </p:par>
+                  <p:par>
+                    <p:cTn id="39" fill="hold">
+                      <p:stCondLst>
+                        <p:cond delay="indefinite"/>
+                      </p:stCondLst>
+                      <p:childTnLst>
+                        <p:par>
+                          <p:cTn id="40" fill="hold">
+                            <p:stCondLst>
+                              <p:cond delay="0"/>
+                            </p:stCondLst>
+                            <p:childTnLst>
+                              <p:par>
+                                <p:cTn id="41" presetID="1" presetClass="entr" presetSubtype="0" fill="hold" grpId="0" nodeType="clickEffect">
+                                  <p:stCondLst>
+                                    <p:cond delay="0"/>
+                                  </p:stCondLst>
+                                  <p:childTnLst>
+                                    <p:set>
+                                      <p:cBhvr>
+                                        <p:cTn id="42" dur="1" fill="hold">
+                                          <p:stCondLst>
+                                            <p:cond delay="0"/>
+                                          </p:stCondLst>
+                                        </p:cTn>
+                                        <p:tgtEl>
+                                          <p:spTgt spid="14"/>
+                                        </p:tgtEl>
+                                        <p:attrNameLst>
+                                          <p:attrName>style.visibility</p:attrName>
+                                        </p:attrNameLst>
+                                      </p:cBhvr>
+                                      <p:to>
+                                        <p:strVal val="visible"/>
+                                      </p:to>
+                                    </p:set>
+                                  </p:childTnLst>
+                                </p:cTn>
+                              </p:par>
+                            </p:childTnLst>
+                          </p:cTn>
+                        </p:par>
+                      </p:childTnLst>
+                    </p:cTn>
+                  </p:par>
                 </p:childTnLst>
               </p:cTn>
               <p:prevCondLst>
@@ -9531,6 +9562,7 @@
       <p:bldP spid="20" grpId="0" animBg="1"/>
       <p:bldP spid="21" grpId="0" animBg="1"/>
       <p:bldP spid="22" grpId="0" animBg="1"/>
+      <p:bldP spid="14" grpId="0" animBg="1"/>
     </p:bldLst>
   </p:timing>
 </p:sld>

--- a/Sudoku Solver.pptx
+++ b/Sudoku Solver.pptx
@@ -209,7 +209,7 @@
           <a:p>
             <a:fld id="{F604D02B-7584-4E36-B581-795A7D9989B5}" type="datetimeFigureOut">
               <a:rPr lang="en-US" smtClean="0"/>
-              <a:t>5/27/2024</a:t>
+              <a:t>5/29/2024</a:t>
             </a:fld>
             <a:endParaRPr lang="en-US"/>
           </a:p>
@@ -476,6 +476,90 @@
 </p:notesMaster>
 </file>
 
+<file path=ppt/notesSlides/notesSlide1.xml><?xml version="1.0" encoding="utf-8"?>
+<p:notes xmlns:a="http://schemas.openxmlformats.org/drawingml/2006/main" xmlns:r="http://schemas.openxmlformats.org/officeDocument/2006/relationships" xmlns:p="http://schemas.openxmlformats.org/presentationml/2006/main">
+  <p:cSld>
+    <p:spTree>
+      <p:nvGrpSpPr>
+        <p:cNvPr id="1" name=""/>
+        <p:cNvGrpSpPr/>
+        <p:nvPr/>
+      </p:nvGrpSpPr>
+      <p:grpSpPr>
+        <a:xfrm>
+          <a:off x="0" y="0"/>
+          <a:ext cx="0" cy="0"/>
+          <a:chOff x="0" y="0"/>
+          <a:chExt cx="0" cy="0"/>
+        </a:xfrm>
+      </p:grpSpPr>
+      <p:sp>
+        <p:nvSpPr>
+          <p:cNvPr id="2" name="Slide Image Placeholder 1"/>
+          <p:cNvSpPr>
+            <a:spLocks noGrp="1" noRot="1" noChangeAspect="1"/>
+          </p:cNvSpPr>
+          <p:nvPr>
+            <p:ph type="sldImg"/>
+          </p:nvPr>
+        </p:nvSpPr>
+        <p:spPr/>
+      </p:sp>
+      <p:sp>
+        <p:nvSpPr>
+          <p:cNvPr id="3" name="Notes Placeholder 2"/>
+          <p:cNvSpPr>
+            <a:spLocks noGrp="1"/>
+          </p:cNvSpPr>
+          <p:nvPr>
+            <p:ph type="body" idx="1"/>
+          </p:nvPr>
+        </p:nvSpPr>
+        <p:spPr/>
+        <p:txBody>
+          <a:bodyPr/>
+          <a:lstStyle/>
+          <a:p>
+            <a:endParaRPr lang="en-US"/>
+          </a:p>
+        </p:txBody>
+      </p:sp>
+      <p:sp>
+        <p:nvSpPr>
+          <p:cNvPr id="4" name="Slide Number Placeholder 3"/>
+          <p:cNvSpPr>
+            <a:spLocks noGrp="1"/>
+          </p:cNvSpPr>
+          <p:nvPr>
+            <p:ph type="sldNum" sz="quarter" idx="5"/>
+          </p:nvPr>
+        </p:nvSpPr>
+        <p:spPr/>
+        <p:txBody>
+          <a:bodyPr/>
+          <a:lstStyle/>
+          <a:p>
+            <a:fld id="{495C2F87-B7FA-4A86-8A6D-C08D2E312CE7}" type="slidenum">
+              <a:rPr lang="en-US" smtClean="0"/>
+              <a:t>1</a:t>
+            </a:fld>
+            <a:endParaRPr lang="en-US"/>
+          </a:p>
+        </p:txBody>
+      </p:sp>
+    </p:spTree>
+    <p:extLst>
+      <p:ext uri="{BB962C8B-B14F-4D97-AF65-F5344CB8AC3E}">
+        <p14:creationId xmlns:p14="http://schemas.microsoft.com/office/powerpoint/2010/main" val="2985440840"/>
+      </p:ext>
+    </p:extLst>
+  </p:cSld>
+  <p:clrMapOvr>
+    <a:masterClrMapping/>
+  </p:clrMapOvr>
+</p:notes>
+</file>
+
 <file path=ppt/slideLayouts/slideLayout1.xml><?xml version="1.0" encoding="utf-8"?>
 <p:sldLayout xmlns:a="http://schemas.openxmlformats.org/drawingml/2006/main" xmlns:r="http://schemas.openxmlformats.org/officeDocument/2006/relationships" xmlns:p="http://schemas.openxmlformats.org/presentationml/2006/main" type="title" preserve="1">
   <p:cSld name="Title Slide">
@@ -623,7 +707,7 @@
           <a:p>
             <a:fld id="{360944C1-EAF8-480B-8968-75D617A5098B}" type="datetime1">
               <a:rPr lang="en-US" smtClean="0"/>
-              <a:t>5/27/2024</a:t>
+              <a:t>5/29/2024</a:t>
             </a:fld>
             <a:endParaRPr lang="en-US"/>
           </a:p>
@@ -821,7 +905,7 @@
           <a:p>
             <a:fld id="{A9AF5F58-7F7C-40C9-BD0F-ADAF70F76814}" type="datetime1">
               <a:rPr lang="en-US" smtClean="0"/>
-              <a:t>5/27/2024</a:t>
+              <a:t>5/29/2024</a:t>
             </a:fld>
             <a:endParaRPr lang="en-US"/>
           </a:p>
@@ -1029,7 +1113,7 @@
           <a:p>
             <a:fld id="{762B03C4-12C5-4EDA-BA35-30715AFB8B2D}" type="datetime1">
               <a:rPr lang="en-US" smtClean="0"/>
-              <a:t>5/27/2024</a:t>
+              <a:t>5/29/2024</a:t>
             </a:fld>
             <a:endParaRPr lang="en-US"/>
           </a:p>
@@ -1227,7 +1311,7 @@
           <a:p>
             <a:fld id="{065B6023-01F4-47FB-AB99-4B4CA7EBF4BC}" type="datetime1">
               <a:rPr lang="en-US" smtClean="0"/>
-              <a:t>5/27/2024</a:t>
+              <a:t>5/29/2024</a:t>
             </a:fld>
             <a:endParaRPr lang="en-US"/>
           </a:p>
@@ -1502,7 +1586,7 @@
           <a:p>
             <a:fld id="{0817B3D2-A50B-411A-A0B9-BE166C526809}" type="datetime1">
               <a:rPr lang="en-US" smtClean="0"/>
-              <a:t>5/27/2024</a:t>
+              <a:t>5/29/2024</a:t>
             </a:fld>
             <a:endParaRPr lang="en-US"/>
           </a:p>
@@ -1767,7 +1851,7 @@
           <a:p>
             <a:fld id="{52EBA13C-45E3-4004-B8AF-C5EF833B1D7A}" type="datetime1">
               <a:rPr lang="en-US" smtClean="0"/>
-              <a:t>5/27/2024</a:t>
+              <a:t>5/29/2024</a:t>
             </a:fld>
             <a:endParaRPr lang="en-US"/>
           </a:p>
@@ -2179,7 +2263,7 @@
           <a:p>
             <a:fld id="{169A37C4-4C52-4ECB-A108-C98CF3433A2A}" type="datetime1">
               <a:rPr lang="en-US" smtClean="0"/>
-              <a:t>5/27/2024</a:t>
+              <a:t>5/29/2024</a:t>
             </a:fld>
             <a:endParaRPr lang="en-US"/>
           </a:p>
@@ -2320,7 +2404,7 @@
           <a:p>
             <a:fld id="{3330D271-3FC1-4775-9820-503251C1E80D}" type="datetime1">
               <a:rPr lang="en-US" smtClean="0"/>
-              <a:t>5/27/2024</a:t>
+              <a:t>5/29/2024</a:t>
             </a:fld>
             <a:endParaRPr lang="en-US"/>
           </a:p>
@@ -2433,7 +2517,7 @@
           <a:p>
             <a:fld id="{8F2BF7D4-5B67-4DA7-9E5B-7B8CA0C888F4}" type="datetime1">
               <a:rPr lang="en-US" smtClean="0"/>
-              <a:t>5/27/2024</a:t>
+              <a:t>5/29/2024</a:t>
             </a:fld>
             <a:endParaRPr lang="en-US"/>
           </a:p>
@@ -2744,7 +2828,7 @@
           <a:p>
             <a:fld id="{D36DC91A-DBAA-497C-A7FE-06FCB1D93310}" type="datetime1">
               <a:rPr lang="en-US" smtClean="0"/>
-              <a:t>5/27/2024</a:t>
+              <a:t>5/29/2024</a:t>
             </a:fld>
             <a:endParaRPr lang="en-US"/>
           </a:p>
@@ -3032,7 +3116,7 @@
           <a:p>
             <a:fld id="{7153344C-F923-4929-8A6A-3E418AE6BA65}" type="datetime1">
               <a:rPr lang="en-US" smtClean="0"/>
-              <a:t>5/27/2024</a:t>
+              <a:t>5/29/2024</a:t>
             </a:fld>
             <a:endParaRPr lang="en-US"/>
           </a:p>
@@ -3273,7 +3357,7 @@
           <a:p>
             <a:fld id="{38057992-8BA4-4204-AD2A-B18838146145}" type="datetime1">
               <a:rPr lang="en-US" smtClean="0"/>
-              <a:t>5/27/2024</a:t>
+              <a:t>5/29/2024</a:t>
             </a:fld>
             <a:endParaRPr lang="en-US"/>
           </a:p>
@@ -3792,6 +3876,14 @@
   <p:clrMapOvr>
     <a:masterClrMapping/>
   </p:clrMapOvr>
+  <mc:AlternateContent xmlns:mc="http://schemas.openxmlformats.org/markup-compatibility/2006" xmlns:p14="http://schemas.microsoft.com/office/powerpoint/2010/main">
+    <mc:Choice Requires="p14">
+      <p:transition spd="slow" p14:dur="2000" advTm="3481"/>
+    </mc:Choice>
+    <mc:Fallback xmlns="">
+      <p:transition spd="slow" advTm="3481"/>
+    </mc:Fallback>
+  </mc:AlternateContent>
 </p:sld>
 </file>
 
@@ -3870,8 +3962,13 @@
           <a:p>
             <a:r>
               <a:rPr lang="en-US" dirty="0"/>
-              <a:t>Try least frequent number first for cells in row-by-row fashion</a:t>
-            </a:r>
+              <a:t>Try least frequent number first </a:t>
+            </a:r>
+            <a:r>
+              <a:rPr lang="en-US"/>
+              <a:t>for cells</a:t>
+            </a:r>
+            <a:endParaRPr lang="en-US" dirty="0"/>
           </a:p>
         </p:txBody>
       </p:sp>
@@ -6278,6 +6375,14 @@
   <p:clrMapOvr>
     <a:masterClrMapping/>
   </p:clrMapOvr>
+  <mc:AlternateContent xmlns:mc="http://schemas.openxmlformats.org/markup-compatibility/2006" xmlns:p14="http://schemas.microsoft.com/office/powerpoint/2010/main">
+    <mc:Choice Requires="p14">
+      <p:transition spd="slow" p14:dur="2000" advTm="17818"/>
+    </mc:Choice>
+    <mc:Fallback xmlns="">
+      <p:transition spd="slow" advTm="17818"/>
+    </mc:Fallback>
+  </mc:AlternateContent>
 </p:sld>
 </file>
 
@@ -6343,7 +6448,7 @@
           </p:nvPr>
         </p:nvPicPr>
         <p:blipFill>
-          <a:blip r:embed="rId2">
+          <a:blip r:embed="rId3">
             <a:extLst>
               <a:ext uri="{28A0092B-C50C-407E-A947-70E740481C1C}">
                 <a14:useLocalDpi xmlns:a14="http://schemas.microsoft.com/office/drawing/2010/main" val="0"/>
@@ -6600,6 +6705,9 @@
         </p:txBody>
       </p:sp>
     </p:spTree>
+    <p:custDataLst>
+      <p:tags r:id="rId1"/>
+    </p:custDataLst>
     <p:extLst>
       <p:ext uri="{BB962C8B-B14F-4D97-AF65-F5344CB8AC3E}">
         <p14:creationId xmlns:p14="http://schemas.microsoft.com/office/powerpoint/2010/main" val="1773136406"/>
@@ -6609,6 +6717,14 @@
   <p:clrMapOvr>
     <a:masterClrMapping/>
   </p:clrMapOvr>
+  <mc:AlternateContent xmlns:mc="http://schemas.openxmlformats.org/markup-compatibility/2006" xmlns:p14="http://schemas.microsoft.com/office/powerpoint/2010/main">
+    <mc:Choice Requires="p14">
+      <p:transition spd="slow" p14:dur="2000" advTm="29559"/>
+    </mc:Choice>
+    <mc:Fallback xmlns="">
+      <p:transition spd="slow" advTm="29559"/>
+    </mc:Fallback>
+  </mc:AlternateContent>
   <p:timing>
     <p:tnLst>
       <p:par>
@@ -7185,6 +7301,9 @@
         </p:txBody>
       </p:sp>
     </p:spTree>
+    <p:custDataLst>
+      <p:tags r:id="rId1"/>
+    </p:custDataLst>
     <p:extLst>
       <p:ext uri="{BB962C8B-B14F-4D97-AF65-F5344CB8AC3E}">
         <p14:creationId xmlns:p14="http://schemas.microsoft.com/office/powerpoint/2010/main" val="3410438732"/>
@@ -7194,6 +7313,14 @@
   <p:clrMapOvr>
     <a:masterClrMapping/>
   </p:clrMapOvr>
+  <mc:AlternateContent xmlns:mc="http://schemas.openxmlformats.org/markup-compatibility/2006" xmlns:p14="http://schemas.microsoft.com/office/powerpoint/2010/main">
+    <mc:Choice Requires="p14">
+      <p:transition spd="slow" p14:dur="2000" advTm="26821"/>
+    </mc:Choice>
+    <mc:Fallback xmlns="">
+      <p:transition spd="slow" advTm="26821"/>
+    </mc:Fallback>
+  </mc:AlternateContent>
   <p:timing>
     <p:tnLst>
       <p:par>
@@ -7366,7 +7493,7 @@
           </p:nvPr>
         </p:nvPicPr>
         <p:blipFill>
-          <a:blip r:embed="rId2">
+          <a:blip r:embed="rId3">
             <a:extLst>
               <a:ext uri="{28A0092B-C50C-407E-A947-70E740481C1C}">
                 <a14:useLocalDpi xmlns:a14="http://schemas.microsoft.com/office/drawing/2010/main" val="0"/>
@@ -8272,6 +8399,9 @@
         </p:txBody>
       </p:sp>
     </p:spTree>
+    <p:custDataLst>
+      <p:tags r:id="rId1"/>
+    </p:custDataLst>
     <p:extLst>
       <p:ext uri="{BB962C8B-B14F-4D97-AF65-F5344CB8AC3E}">
         <p14:creationId xmlns:p14="http://schemas.microsoft.com/office/powerpoint/2010/main" val="1715175578"/>
@@ -8281,6 +8411,14 @@
   <p:clrMapOvr>
     <a:masterClrMapping/>
   </p:clrMapOvr>
+  <mc:AlternateContent xmlns:mc="http://schemas.openxmlformats.org/markup-compatibility/2006" xmlns:p14="http://schemas.microsoft.com/office/powerpoint/2010/main">
+    <mc:Choice Requires="p14">
+      <p:transition spd="slow" p14:dur="2000" advTm="34131"/>
+    </mc:Choice>
+    <mc:Fallback xmlns="">
+      <p:transition spd="slow" advTm="34131"/>
+    </mc:Fallback>
+  </mc:AlternateContent>
   <p:timing>
     <p:tnLst>
       <p:par>
@@ -8917,7 +9055,7 @@
           </p:nvPr>
         </p:nvPicPr>
         <p:blipFill>
-          <a:blip r:embed="rId2">
+          <a:blip r:embed="rId3">
             <a:extLst>
               <a:ext uri="{28A0092B-C50C-407E-A947-70E740481C1C}">
                 <a14:useLocalDpi xmlns:a14="http://schemas.microsoft.com/office/drawing/2010/main" val="0"/>
@@ -9725,6 +9863,9 @@
         </p:txBody>
       </p:sp>
     </p:spTree>
+    <p:custDataLst>
+      <p:tags r:id="rId1"/>
+    </p:custDataLst>
     <p:extLst>
       <p:ext uri="{BB962C8B-B14F-4D97-AF65-F5344CB8AC3E}">
         <p14:creationId xmlns:p14="http://schemas.microsoft.com/office/powerpoint/2010/main" val="1021627284"/>
@@ -9734,6 +9875,14 @@
   <p:clrMapOvr>
     <a:masterClrMapping/>
   </p:clrMapOvr>
+  <mc:AlternateContent xmlns:mc="http://schemas.openxmlformats.org/markup-compatibility/2006" xmlns:p14="http://schemas.microsoft.com/office/powerpoint/2010/main">
+    <mc:Choice Requires="p14">
+      <p:transition spd="slow" p14:dur="2000" advTm="39836"/>
+    </mc:Choice>
+    <mc:Fallback xmlns="">
+      <p:transition spd="slow" advTm="39836"/>
+    </mc:Fallback>
+  </mc:AlternateContent>
   <p:timing>
     <p:tnLst>
       <p:par>
@@ -10347,7 +10496,7 @@
           <p:nvPr/>
         </p:nvPicPr>
         <p:blipFill>
-          <a:blip r:embed="rId2">
+          <a:blip r:embed="rId3">
             <a:extLst>
               <a:ext uri="{28A0092B-C50C-407E-A947-70E740481C1C}">
                 <a14:useLocalDpi xmlns:a14="http://schemas.microsoft.com/office/drawing/2010/main" val="0"/>
@@ -11119,6 +11268,9 @@
         </p:txBody>
       </p:sp>
     </p:spTree>
+    <p:custDataLst>
+      <p:tags r:id="rId1"/>
+    </p:custDataLst>
     <p:extLst>
       <p:ext uri="{BB962C8B-B14F-4D97-AF65-F5344CB8AC3E}">
         <p14:creationId xmlns:p14="http://schemas.microsoft.com/office/powerpoint/2010/main" val="1247372692"/>
@@ -11128,6 +11280,14 @@
   <p:clrMapOvr>
     <a:masterClrMapping/>
   </p:clrMapOvr>
+  <mc:AlternateContent xmlns:mc="http://schemas.openxmlformats.org/markup-compatibility/2006" xmlns:p14="http://schemas.microsoft.com/office/powerpoint/2010/main">
+    <mc:Choice Requires="p14">
+      <p:transition spd="slow" p14:dur="2000" advTm="36604"/>
+    </mc:Choice>
+    <mc:Fallback xmlns="">
+      <p:transition spd="slow" advTm="36604"/>
+    </mc:Fallback>
+  </mc:AlternateContent>
   <p:timing>
     <p:tnLst>
       <p:par>
@@ -12407,6 +12567,14 @@
   <p:clrMapOvr>
     <a:masterClrMapping/>
   </p:clrMapOvr>
+  <mc:AlternateContent xmlns:mc="http://schemas.openxmlformats.org/markup-compatibility/2006" xmlns:p14="http://schemas.microsoft.com/office/powerpoint/2010/main">
+    <mc:Choice Requires="p14">
+      <p:transition spd="slow" p14:dur="2000" advTm="3340"/>
+    </mc:Choice>
+    <mc:Fallback xmlns="">
+      <p:transition spd="slow" advTm="3340"/>
+    </mc:Fallback>
+  </mc:AlternateContent>
   <p:timing>
     <p:tnLst>
       <p:par>
@@ -12979,8 +13147,8 @@
         </p:nvSpPr>
         <p:spPr>
           <a:xfrm>
-            <a:off x="2249813" y="3011574"/>
-            <a:ext cx="428625" cy="230832"/>
+            <a:off x="2229197" y="2922699"/>
+            <a:ext cx="302015" cy="400110"/>
           </a:xfrm>
           <a:prstGeom prst="rect">
             <a:avLst/>
@@ -12994,8 +13162,20 @@
           <a:lstStyle/>
           <a:p>
             <a:r>
-              <a:rPr lang="en-US" sz="900" dirty="0"/>
-              <a:t>9 </a:t>
+              <a:rPr lang="en-US" sz="2000" dirty="0">
+                <a:solidFill>
+                  <a:srgbClr val="00B050"/>
+                </a:solidFill>
+              </a:rPr>
+              <a:t>9</a:t>
+            </a:r>
+            <a:r>
+              <a:rPr lang="en-US" sz="900" dirty="0">
+                <a:solidFill>
+                  <a:srgbClr val="00B050"/>
+                </a:solidFill>
+              </a:rPr>
+              <a:t> </a:t>
             </a:r>
           </a:p>
         </p:txBody>
@@ -13072,10 +13252,10 @@
       </p:sp>
       <p:sp>
         <p:nvSpPr>
-          <p:cNvPr id="24" name="TextBox 23">
-            <a:extLst>
-              <a:ext uri="{FF2B5EF4-FFF2-40B4-BE49-F238E27FC236}">
-                <a16:creationId xmlns:a16="http://schemas.microsoft.com/office/drawing/2014/main" id="{81A46241-23C1-7E63-E127-82F7EC6D1961}"/>
+          <p:cNvPr id="21" name="TextBox 20">
+            <a:extLst>
+              <a:ext uri="{FF2B5EF4-FFF2-40B4-BE49-F238E27FC236}">
+                <a16:creationId xmlns:a16="http://schemas.microsoft.com/office/drawing/2014/main" id="{7B2812B3-E819-9310-632B-C1CF2694DDD8}"/>
               </a:ext>
             </a:extLst>
           </p:cNvPr>
@@ -13084,8 +13264,8 @@
         </p:nvSpPr>
         <p:spPr>
           <a:xfrm>
-            <a:off x="2632428" y="4682660"/>
-            <a:ext cx="336606" cy="230832"/>
+            <a:off x="3480193" y="3359750"/>
+            <a:ext cx="343585" cy="369332"/>
           </a:xfrm>
           <a:prstGeom prst="rect">
             <a:avLst/>
@@ -13100,17 +13280,17 @@
           <a:p>
             <a:r>
               <a:rPr lang="en-US" sz="900" dirty="0"/>
-              <a:t>8 9 </a:t>
-            </a:r>
-          </a:p>
-        </p:txBody>
-      </p:sp>
-      <p:sp>
-        <p:nvSpPr>
-          <p:cNvPr id="25" name="TextBox 24">
-            <a:extLst>
-              <a:ext uri="{FF2B5EF4-FFF2-40B4-BE49-F238E27FC236}">
-                <a16:creationId xmlns:a16="http://schemas.microsoft.com/office/drawing/2014/main" id="{E0245577-18C0-3B92-6C18-8280D0A90409}"/>
+              <a:t>1 2 5 8</a:t>
+            </a:r>
+          </a:p>
+        </p:txBody>
+      </p:sp>
+      <p:sp>
+        <p:nvSpPr>
+          <p:cNvPr id="22" name="TextBox 21">
+            <a:extLst>
+              <a:ext uri="{FF2B5EF4-FFF2-40B4-BE49-F238E27FC236}">
+                <a16:creationId xmlns:a16="http://schemas.microsoft.com/office/drawing/2014/main" id="{A0913BE4-5C9B-6925-9AFD-99D81135E73D}"/>
               </a:ext>
             </a:extLst>
           </p:cNvPr>
@@ -13119,8 +13299,8 @@
         </p:nvSpPr>
         <p:spPr>
           <a:xfrm>
-            <a:off x="2678438" y="5103434"/>
-            <a:ext cx="336606" cy="230832"/>
+            <a:off x="3868032" y="3377184"/>
+            <a:ext cx="343585" cy="369332"/>
           </a:xfrm>
           <a:prstGeom prst="rect">
             <a:avLst/>
@@ -13135,17 +13315,17 @@
           <a:p>
             <a:r>
               <a:rPr lang="en-US" sz="900" dirty="0"/>
-              <a:t>7 </a:t>
-            </a:r>
-          </a:p>
-        </p:txBody>
-      </p:sp>
-      <p:sp>
-        <p:nvSpPr>
-          <p:cNvPr id="16" name="TextBox 15">
-            <a:extLst>
-              <a:ext uri="{FF2B5EF4-FFF2-40B4-BE49-F238E27FC236}">
-                <a16:creationId xmlns:a16="http://schemas.microsoft.com/office/drawing/2014/main" id="{BDCBA543-1D80-84AF-F63B-9192833DAA97}"/>
+              <a:t>1 2 5 8</a:t>
+            </a:r>
+          </a:p>
+        </p:txBody>
+      </p:sp>
+      <p:sp>
+        <p:nvSpPr>
+          <p:cNvPr id="27" name="TextBox 26">
+            <a:extLst>
+              <a:ext uri="{FF2B5EF4-FFF2-40B4-BE49-F238E27FC236}">
+                <a16:creationId xmlns:a16="http://schemas.microsoft.com/office/drawing/2014/main" id="{D44CB336-875B-679F-07C8-7DF9CE265AC8}"/>
               </a:ext>
             </a:extLst>
           </p:cNvPr>
@@ -13154,8 +13334,8 @@
         </p:nvSpPr>
         <p:spPr>
           <a:xfrm>
-            <a:off x="2594816" y="5524208"/>
-            <a:ext cx="420228" cy="230832"/>
+            <a:off x="4670886" y="3427884"/>
+            <a:ext cx="428625" cy="230832"/>
           </a:xfrm>
           <a:prstGeom prst="rect">
             <a:avLst/>
@@ -13170,17 +13350,17 @@
           <a:p>
             <a:r>
               <a:rPr lang="en-US" sz="900" dirty="0"/>
-              <a:t>3 7 9</a:t>
-            </a:r>
-          </a:p>
-        </p:txBody>
-      </p:sp>
-      <p:sp>
-        <p:nvSpPr>
-          <p:cNvPr id="17" name="TextBox 16">
-            <a:extLst>
-              <a:ext uri="{FF2B5EF4-FFF2-40B4-BE49-F238E27FC236}">
-                <a16:creationId xmlns:a16="http://schemas.microsoft.com/office/drawing/2014/main" id="{123BBFE4-8249-C1D2-AC29-D80DF7A657C0}"/>
+              <a:t>1 3 9 </a:t>
+            </a:r>
+          </a:p>
+        </p:txBody>
+      </p:sp>
+      <p:sp>
+        <p:nvSpPr>
+          <p:cNvPr id="28" name="TextBox 27">
+            <a:extLst>
+              <a:ext uri="{FF2B5EF4-FFF2-40B4-BE49-F238E27FC236}">
+                <a16:creationId xmlns:a16="http://schemas.microsoft.com/office/drawing/2014/main" id="{1F234462-492F-7ADB-E804-8ACC797ACE27}"/>
               </a:ext>
             </a:extLst>
           </p:cNvPr>
@@ -13189,8 +13369,8 @@
         </p:nvSpPr>
         <p:spPr>
           <a:xfrm>
-            <a:off x="3041652" y="4271180"/>
-            <a:ext cx="336607" cy="230832"/>
+            <a:off x="5513263" y="3427884"/>
+            <a:ext cx="428625" cy="230832"/>
           </a:xfrm>
           <a:prstGeom prst="rect">
             <a:avLst/>
@@ -13205,17 +13385,17 @@
           <a:p>
             <a:r>
               <a:rPr lang="en-US" sz="900" dirty="0"/>
-              <a:t>2 4 </a:t>
-            </a:r>
-          </a:p>
-        </p:txBody>
-      </p:sp>
-      <p:sp>
-        <p:nvSpPr>
-          <p:cNvPr id="18" name="TextBox 17">
-            <a:extLst>
-              <a:ext uri="{FF2B5EF4-FFF2-40B4-BE49-F238E27FC236}">
-                <a16:creationId xmlns:a16="http://schemas.microsoft.com/office/drawing/2014/main" id="{8B6F0405-07FB-CE53-D5D0-4F7128091E66}"/>
+              <a:t>1 2 3 </a:t>
+            </a:r>
+          </a:p>
+        </p:txBody>
+      </p:sp>
+      <p:sp>
+        <p:nvSpPr>
+          <p:cNvPr id="11" name="TextBox 10">
+            <a:extLst>
+              <a:ext uri="{FF2B5EF4-FFF2-40B4-BE49-F238E27FC236}">
+                <a16:creationId xmlns:a16="http://schemas.microsoft.com/office/drawing/2014/main" id="{80BB71AB-9DBF-5E18-14CC-241C6E4F2FAF}"/>
               </a:ext>
             </a:extLst>
           </p:cNvPr>
@@ -13224,8 +13404,8 @@
         </p:nvSpPr>
         <p:spPr>
           <a:xfrm>
-            <a:off x="3003927" y="4691954"/>
-            <a:ext cx="463548" cy="230832"/>
+            <a:off x="4715951" y="3018558"/>
+            <a:ext cx="428625" cy="230832"/>
           </a:xfrm>
           <a:prstGeom prst="rect">
             <a:avLst/>
@@ -13240,17 +13420,17 @@
           <a:p>
             <a:r>
               <a:rPr lang="en-US" sz="900" dirty="0"/>
-              <a:t>2 4 9 </a:t>
-            </a:r>
-          </a:p>
-        </p:txBody>
-      </p:sp>
-      <p:sp>
-        <p:nvSpPr>
-          <p:cNvPr id="19" name="TextBox 18">
-            <a:extLst>
-              <a:ext uri="{FF2B5EF4-FFF2-40B4-BE49-F238E27FC236}">
-                <a16:creationId xmlns:a16="http://schemas.microsoft.com/office/drawing/2014/main" id="{A761E779-6715-B9EB-940F-E888E31DE97F}"/>
+              <a:t>1 6  </a:t>
+            </a:r>
+          </a:p>
+        </p:txBody>
+      </p:sp>
+      <p:sp>
+        <p:nvSpPr>
+          <p:cNvPr id="12" name="TextBox 11">
+            <a:extLst>
+              <a:ext uri="{FF2B5EF4-FFF2-40B4-BE49-F238E27FC236}">
+                <a16:creationId xmlns:a16="http://schemas.microsoft.com/office/drawing/2014/main" id="{5F70CA08-BBBC-C776-99C7-D49BA2864F4E}"/>
               </a:ext>
             </a:extLst>
           </p:cNvPr>
@@ -13259,8 +13439,8 @@
         </p:nvSpPr>
         <p:spPr>
           <a:xfrm>
-            <a:off x="3043551" y="5934966"/>
-            <a:ext cx="336607" cy="230832"/>
+            <a:off x="4360859" y="3004146"/>
+            <a:ext cx="428625" cy="230832"/>
           </a:xfrm>
           <a:prstGeom prst="rect">
             <a:avLst/>
@@ -13275,17 +13455,17 @@
           <a:p>
             <a:r>
               <a:rPr lang="en-US" sz="900" dirty="0"/>
-              <a:t>2 6  </a:t>
-            </a:r>
-          </a:p>
-        </p:txBody>
-      </p:sp>
-      <p:sp>
-        <p:nvSpPr>
-          <p:cNvPr id="21" name="TextBox 20">
-            <a:extLst>
-              <a:ext uri="{FF2B5EF4-FFF2-40B4-BE49-F238E27FC236}">
-                <a16:creationId xmlns:a16="http://schemas.microsoft.com/office/drawing/2014/main" id="{7B2812B3-E819-9310-632B-C1CF2694DDD8}"/>
+              <a:t>7 </a:t>
+            </a:r>
+          </a:p>
+        </p:txBody>
+      </p:sp>
+      <p:sp>
+        <p:nvSpPr>
+          <p:cNvPr id="13" name="TextBox 12">
+            <a:extLst>
+              <a:ext uri="{FF2B5EF4-FFF2-40B4-BE49-F238E27FC236}">
+                <a16:creationId xmlns:a16="http://schemas.microsoft.com/office/drawing/2014/main" id="{5EB9CA7A-6A12-6885-0D75-46F9FB85733D}"/>
               </a:ext>
             </a:extLst>
           </p:cNvPr>
@@ -13294,7 +13474,7 @@
         </p:nvSpPr>
         <p:spPr>
           <a:xfrm>
-            <a:off x="3421957" y="3429000"/>
+            <a:off x="5132951" y="3018558"/>
             <a:ext cx="428625" cy="230832"/>
           </a:xfrm>
           <a:prstGeom prst="rect">
@@ -13310,17 +13490,17 @@
           <a:p>
             <a:r>
               <a:rPr lang="en-US" sz="900" dirty="0"/>
-              <a:t>2 5 8</a:t>
-            </a:r>
-          </a:p>
-        </p:txBody>
-      </p:sp>
-      <p:sp>
-        <p:nvSpPr>
-          <p:cNvPr id="22" name="TextBox 21">
-            <a:extLst>
-              <a:ext uri="{FF2B5EF4-FFF2-40B4-BE49-F238E27FC236}">
-                <a16:creationId xmlns:a16="http://schemas.microsoft.com/office/drawing/2014/main" id="{A0913BE4-5C9B-6925-9AFD-99D81135E73D}"/>
+              <a:t>1 6   </a:t>
+            </a:r>
+          </a:p>
+        </p:txBody>
+      </p:sp>
+      <p:sp>
+        <p:nvSpPr>
+          <p:cNvPr id="15" name="TextBox 14">
+            <a:extLst>
+              <a:ext uri="{FF2B5EF4-FFF2-40B4-BE49-F238E27FC236}">
+                <a16:creationId xmlns:a16="http://schemas.microsoft.com/office/drawing/2014/main" id="{372F6E91-75D5-8F14-9EEE-FD8E880198E2}"/>
               </a:ext>
             </a:extLst>
           </p:cNvPr>
@@ -13329,8 +13509,8 @@
         </p:nvSpPr>
         <p:spPr>
           <a:xfrm>
-            <a:off x="3835528" y="3429000"/>
-            <a:ext cx="428625" cy="230832"/>
+            <a:off x="2211902" y="3783872"/>
+            <a:ext cx="344797" cy="369332"/>
           </a:xfrm>
           <a:prstGeom prst="rect">
             <a:avLst/>
@@ -13345,17 +13525,17 @@
           <a:p>
             <a:r>
               <a:rPr lang="en-US" sz="900" dirty="0"/>
-              <a:t>2 5 8</a:t>
-            </a:r>
-          </a:p>
-        </p:txBody>
-      </p:sp>
-      <p:sp>
-        <p:nvSpPr>
-          <p:cNvPr id="27" name="TextBox 26">
-            <a:extLst>
-              <a:ext uri="{FF2B5EF4-FFF2-40B4-BE49-F238E27FC236}">
-                <a16:creationId xmlns:a16="http://schemas.microsoft.com/office/drawing/2014/main" id="{D44CB336-875B-679F-07C8-7DF9CE265AC8}"/>
+              <a:t>4 7 8  </a:t>
+            </a:r>
+          </a:p>
+        </p:txBody>
+      </p:sp>
+      <p:sp>
+        <p:nvSpPr>
+          <p:cNvPr id="20" name="TextBox 19">
+            <a:extLst>
+              <a:ext uri="{FF2B5EF4-FFF2-40B4-BE49-F238E27FC236}">
+                <a16:creationId xmlns:a16="http://schemas.microsoft.com/office/drawing/2014/main" id="{34F0B5EE-2A9E-B230-E139-AA98B3684D62}"/>
               </a:ext>
             </a:extLst>
           </p:cNvPr>
@@ -13364,8 +13544,8 @@
         </p:nvSpPr>
         <p:spPr>
           <a:xfrm>
-            <a:off x="4720396" y="3416385"/>
-            <a:ext cx="428625" cy="230832"/>
+            <a:off x="2166191" y="4682660"/>
+            <a:ext cx="512247" cy="230832"/>
           </a:xfrm>
           <a:prstGeom prst="rect">
             <a:avLst/>
@@ -13380,17 +13560,17 @@
           <a:p>
             <a:r>
               <a:rPr lang="en-US" sz="900" dirty="0"/>
-              <a:t>2 3 </a:t>
-            </a:r>
-          </a:p>
-        </p:txBody>
-      </p:sp>
-      <p:sp>
-        <p:nvSpPr>
-          <p:cNvPr id="28" name="TextBox 27">
-            <a:extLst>
-              <a:ext uri="{FF2B5EF4-FFF2-40B4-BE49-F238E27FC236}">
-                <a16:creationId xmlns:a16="http://schemas.microsoft.com/office/drawing/2014/main" id="{1F234462-492F-7ADB-E804-8ACC797ACE27}"/>
+              <a:t>4 8 9 </a:t>
+            </a:r>
+          </a:p>
+        </p:txBody>
+      </p:sp>
+      <p:sp>
+        <p:nvSpPr>
+          <p:cNvPr id="26" name="TextBox 25">
+            <a:extLst>
+              <a:ext uri="{FF2B5EF4-FFF2-40B4-BE49-F238E27FC236}">
+                <a16:creationId xmlns:a16="http://schemas.microsoft.com/office/drawing/2014/main" id="{4A46ADD2-F9AD-DDFE-6B61-9CC3F4260FC2}"/>
               </a:ext>
             </a:extLst>
           </p:cNvPr>
@@ -13399,8 +13579,8 @@
         </p:nvSpPr>
         <p:spPr>
           <a:xfrm>
-            <a:off x="5561576" y="3418194"/>
-            <a:ext cx="428625" cy="230832"/>
+            <a:off x="2211902" y="5103434"/>
+            <a:ext cx="336607" cy="230832"/>
           </a:xfrm>
           <a:prstGeom prst="rect">
             <a:avLst/>
@@ -13415,35 +13595,142 @@
           <a:p>
             <a:r>
               <a:rPr lang="en-US" sz="900" dirty="0"/>
-              <a:t>2 3 </a:t>
-            </a:r>
-          </a:p>
-        </p:txBody>
-      </p:sp>
-      <p:sp>
-        <p:nvSpPr>
-          <p:cNvPr id="29" name="Rectangle 28">
-            <a:extLst>
-              <a:ext uri="{FF2B5EF4-FFF2-40B4-BE49-F238E27FC236}">
-                <a16:creationId xmlns:a16="http://schemas.microsoft.com/office/drawing/2014/main" id="{8AD2D657-B117-A5A2-75C8-3A50786624EA}"/>
-              </a:ext>
-            </a:extLst>
-          </p:cNvPr>
-          <p:cNvSpPr/>
+              <a:t>5 7  </a:t>
+            </a:r>
+          </a:p>
+        </p:txBody>
+      </p:sp>
+      <p:sp>
+        <p:nvSpPr>
+          <p:cNvPr id="31" name="TextBox 30">
+            <a:extLst>
+              <a:ext uri="{FF2B5EF4-FFF2-40B4-BE49-F238E27FC236}">
+                <a16:creationId xmlns:a16="http://schemas.microsoft.com/office/drawing/2014/main" id="{BCA5A02E-0AB0-B95A-9C19-25FEA3E513C7}"/>
+              </a:ext>
+            </a:extLst>
+          </p:cNvPr>
+          <p:cNvSpPr txBox="1"/>
           <p:nvPr/>
         </p:nvSpPr>
         <p:spPr>
           <a:xfrm>
-            <a:off x="4676708" y="3331774"/>
-            <a:ext cx="428625" cy="425284"/>
+            <a:off x="2166191" y="5454958"/>
+            <a:ext cx="466536" cy="369332"/>
           </a:xfrm>
           <a:prstGeom prst="rect">
             <a:avLst/>
           </a:prstGeom>
           <a:noFill/>
-          <a:ln w="38100">
+        </p:spPr>
+        <p:txBody>
+          <a:bodyPr wrap="square" rtlCol="0">
+            <a:spAutoFit/>
+          </a:bodyPr>
+          <a:lstStyle/>
+          <a:p>
+            <a:r>
+              <a:rPr lang="en-US" sz="900" dirty="0"/>
+              <a:t>2 3 5 7 9  </a:t>
+            </a:r>
+          </a:p>
+        </p:txBody>
+      </p:sp>
+      <p:sp>
+        <p:nvSpPr>
+          <p:cNvPr id="32" name="TextBox 31">
+            <a:extLst>
+              <a:ext uri="{FF2B5EF4-FFF2-40B4-BE49-F238E27FC236}">
+                <a16:creationId xmlns:a16="http://schemas.microsoft.com/office/drawing/2014/main" id="{407CFC2D-9403-EFB6-D20A-13E82933AEE6}"/>
+              </a:ext>
+            </a:extLst>
+          </p:cNvPr>
+          <p:cNvSpPr txBox="1"/>
+          <p:nvPr/>
+        </p:nvSpPr>
+        <p:spPr>
+          <a:xfrm>
+            <a:off x="2211902" y="5927750"/>
+            <a:ext cx="336607" cy="230832"/>
+          </a:xfrm>
+          <a:prstGeom prst="rect">
+            <a:avLst/>
+          </a:prstGeom>
+          <a:noFill/>
+        </p:spPr>
+        <p:txBody>
+          <a:bodyPr wrap="square" rtlCol="0">
+            <a:spAutoFit/>
+          </a:bodyPr>
+          <a:lstStyle/>
+          <a:p>
+            <a:r>
+              <a:rPr lang="en-US" sz="900" dirty="0"/>
+              <a:t>2 3   </a:t>
+            </a:r>
+          </a:p>
+        </p:txBody>
+      </p:sp>
+      <p:sp>
+        <p:nvSpPr>
+          <p:cNvPr id="40" name="TextBox 39">
+            <a:extLst>
+              <a:ext uri="{FF2B5EF4-FFF2-40B4-BE49-F238E27FC236}">
+                <a16:creationId xmlns:a16="http://schemas.microsoft.com/office/drawing/2014/main" id="{19AF1CD0-6762-E09C-232C-D0131D32094C}"/>
+              </a:ext>
+            </a:extLst>
+          </p:cNvPr>
+          <p:cNvSpPr txBox="1"/>
+          <p:nvPr/>
+        </p:nvSpPr>
+        <p:spPr>
+          <a:xfrm>
+            <a:off x="4714857" y="5524208"/>
+            <a:ext cx="336607" cy="230832"/>
+          </a:xfrm>
+          <a:prstGeom prst="rect">
+            <a:avLst/>
+          </a:prstGeom>
+          <a:noFill/>
+        </p:spPr>
+        <p:txBody>
+          <a:bodyPr wrap="square" rtlCol="0">
+            <a:spAutoFit/>
+          </a:bodyPr>
+          <a:lstStyle/>
+          <a:p>
+            <a:r>
+              <a:rPr lang="en-US" sz="900" dirty="0"/>
+              <a:t>  </a:t>
+            </a:r>
+          </a:p>
+        </p:txBody>
+      </p:sp>
+      <p:sp>
+        <p:nvSpPr>
+          <p:cNvPr id="41" name="Rectangle 40">
+            <a:extLst>
+              <a:ext uri="{FF2B5EF4-FFF2-40B4-BE49-F238E27FC236}">
+                <a16:creationId xmlns:a16="http://schemas.microsoft.com/office/drawing/2014/main" id="{5735AA82-6EE9-77C2-0E18-8FB0AA72CE0D}"/>
+              </a:ext>
+            </a:extLst>
+          </p:cNvPr>
+          <p:cNvSpPr/>
+          <p:nvPr/>
+        </p:nvSpPr>
+        <p:spPr>
+          <a:xfrm>
+            <a:off x="4344751" y="3377184"/>
+            <a:ext cx="245537" cy="323088"/>
+          </a:xfrm>
+          <a:prstGeom prst="rect">
+            <a:avLst/>
+          </a:prstGeom>
+          <a:solidFill>
+            <a:schemeClr val="bg1"/>
+          </a:solidFill>
+          <a:ln>
             <a:solidFill>
-              <a:srgbClr val="FF0000"/>
+              <a:schemeClr val="bg1"/>
             </a:solidFill>
           </a:ln>
         </p:spPr>
@@ -13468,38 +13755,68 @@
           <a:lstStyle/>
           <a:p>
             <a:pPr algn="ctr"/>
-            <a:endParaRPr lang="en-US">
-              <a:noFill/>
-            </a:endParaRPr>
-          </a:p>
-        </p:txBody>
-      </p:sp>
-      <p:sp>
-        <p:nvSpPr>
-          <p:cNvPr id="30" name="Rectangle 29">
-            <a:extLst>
-              <a:ext uri="{FF2B5EF4-FFF2-40B4-BE49-F238E27FC236}">
-                <a16:creationId xmlns:a16="http://schemas.microsoft.com/office/drawing/2014/main" id="{B2A5A82D-3066-BD4C-9784-CC69DFC1F202}"/>
-              </a:ext>
-            </a:extLst>
-          </p:cNvPr>
-          <p:cNvSpPr/>
+            <a:endParaRPr lang="en-US"/>
+          </a:p>
+        </p:txBody>
+      </p:sp>
+      <p:sp>
+        <p:nvSpPr>
+          <p:cNvPr id="42" name="TextBox 41">
+            <a:extLst>
+              <a:ext uri="{FF2B5EF4-FFF2-40B4-BE49-F238E27FC236}">
+                <a16:creationId xmlns:a16="http://schemas.microsoft.com/office/drawing/2014/main" id="{EF70DAAE-18DD-D1A0-EE10-FF296E34383B}"/>
+              </a:ext>
+            </a:extLst>
+          </p:cNvPr>
+          <p:cNvSpPr txBox="1"/>
           <p:nvPr/>
         </p:nvSpPr>
         <p:spPr>
           <a:xfrm>
-            <a:off x="5513264" y="3331774"/>
-            <a:ext cx="428625" cy="425284"/>
+            <a:off x="4327301" y="3418224"/>
+            <a:ext cx="428625" cy="230832"/>
           </a:xfrm>
           <a:prstGeom prst="rect">
             <a:avLst/>
           </a:prstGeom>
           <a:noFill/>
-          <a:ln w="38100">
-            <a:solidFill>
-              <a:srgbClr val="FF0000"/>
-            </a:solidFill>
-          </a:ln>
+        </p:spPr>
+        <p:txBody>
+          <a:bodyPr wrap="square" rtlCol="0">
+            <a:spAutoFit/>
+          </a:bodyPr>
+          <a:lstStyle/>
+          <a:p>
+            <a:r>
+              <a:rPr lang="en-US" sz="900" dirty="0"/>
+              <a:t>1 5 </a:t>
+            </a:r>
+          </a:p>
+        </p:txBody>
+      </p:sp>
+      <p:sp>
+        <p:nvSpPr>
+          <p:cNvPr id="43" name="Multiplication Sign 42">
+            <a:extLst>
+              <a:ext uri="{FF2B5EF4-FFF2-40B4-BE49-F238E27FC236}">
+                <a16:creationId xmlns:a16="http://schemas.microsoft.com/office/drawing/2014/main" id="{12FC667D-C726-3DDB-60DA-6B97A13EF78D}"/>
+              </a:ext>
+            </a:extLst>
+          </p:cNvPr>
+          <p:cNvSpPr/>
+          <p:nvPr/>
+        </p:nvSpPr>
+        <p:spPr>
+          <a:xfrm>
+            <a:off x="4744032" y="3449794"/>
+            <a:ext cx="104386" cy="177868"/>
+          </a:xfrm>
+          <a:prstGeom prst="mathMultiply">
+            <a:avLst/>
+          </a:prstGeom>
+          <a:solidFill>
+            <a:srgbClr val="FF0000"/>
+          </a:solidFill>
         </p:spPr>
         <p:style>
           <a:lnRef idx="2">
@@ -13522,9 +13839,407 @@
           <a:lstStyle/>
           <a:p>
             <a:pPr algn="ctr"/>
-            <a:endParaRPr lang="en-US">
-              <a:noFill/>
-            </a:endParaRPr>
+            <a:endParaRPr lang="en-US"/>
+          </a:p>
+        </p:txBody>
+      </p:sp>
+      <p:sp>
+        <p:nvSpPr>
+          <p:cNvPr id="44" name="Multiplication Sign 43">
+            <a:extLst>
+              <a:ext uri="{FF2B5EF4-FFF2-40B4-BE49-F238E27FC236}">
+                <a16:creationId xmlns:a16="http://schemas.microsoft.com/office/drawing/2014/main" id="{04FA54CA-0128-1B71-F222-A0B6F7132B42}"/>
+              </a:ext>
+            </a:extLst>
+          </p:cNvPr>
+          <p:cNvSpPr/>
+          <p:nvPr/>
+        </p:nvSpPr>
+        <p:spPr>
+          <a:xfrm>
+            <a:off x="5593544" y="3450743"/>
+            <a:ext cx="104386" cy="177868"/>
+          </a:xfrm>
+          <a:prstGeom prst="mathMultiply">
+            <a:avLst/>
+          </a:prstGeom>
+          <a:solidFill>
+            <a:srgbClr val="FF0000"/>
+          </a:solidFill>
+        </p:spPr>
+        <p:style>
+          <a:lnRef idx="2">
+            <a:schemeClr val="accent1">
+              <a:shade val="15000"/>
+            </a:schemeClr>
+          </a:lnRef>
+          <a:fillRef idx="1">
+            <a:schemeClr val="accent1"/>
+          </a:fillRef>
+          <a:effectRef idx="0">
+            <a:schemeClr val="accent1"/>
+          </a:effectRef>
+          <a:fontRef idx="minor">
+            <a:schemeClr val="lt1"/>
+          </a:fontRef>
+        </p:style>
+        <p:txBody>
+          <a:bodyPr rtlCol="0" anchor="ctr"/>
+          <a:lstStyle/>
+          <a:p>
+            <a:pPr algn="ctr"/>
+            <a:endParaRPr lang="en-US"/>
+          </a:p>
+        </p:txBody>
+      </p:sp>
+      <p:sp>
+        <p:nvSpPr>
+          <p:cNvPr id="45" name="Multiplication Sign 44">
+            <a:extLst>
+              <a:ext uri="{FF2B5EF4-FFF2-40B4-BE49-F238E27FC236}">
+                <a16:creationId xmlns:a16="http://schemas.microsoft.com/office/drawing/2014/main" id="{99DFD9C3-0DC2-5A21-2930-295F4844C5BF}"/>
+              </a:ext>
+            </a:extLst>
+          </p:cNvPr>
+          <p:cNvSpPr/>
+          <p:nvPr/>
+        </p:nvSpPr>
+        <p:spPr>
+          <a:xfrm>
+            <a:off x="2823591" y="2617282"/>
+            <a:ext cx="104386" cy="177868"/>
+          </a:xfrm>
+          <a:prstGeom prst="mathMultiply">
+            <a:avLst/>
+          </a:prstGeom>
+          <a:solidFill>
+            <a:srgbClr val="FF0000"/>
+          </a:solidFill>
+        </p:spPr>
+        <p:style>
+          <a:lnRef idx="2">
+            <a:schemeClr val="accent1">
+              <a:shade val="15000"/>
+            </a:schemeClr>
+          </a:lnRef>
+          <a:fillRef idx="1">
+            <a:schemeClr val="accent1"/>
+          </a:fillRef>
+          <a:effectRef idx="0">
+            <a:schemeClr val="accent1"/>
+          </a:effectRef>
+          <a:fontRef idx="minor">
+            <a:schemeClr val="lt1"/>
+          </a:fontRef>
+        </p:style>
+        <p:txBody>
+          <a:bodyPr rtlCol="0" anchor="ctr"/>
+          <a:lstStyle/>
+          <a:p>
+            <a:pPr algn="ctr"/>
+            <a:endParaRPr lang="en-US"/>
+          </a:p>
+        </p:txBody>
+      </p:sp>
+      <p:sp>
+        <p:nvSpPr>
+          <p:cNvPr id="46" name="Multiplication Sign 45">
+            <a:extLst>
+              <a:ext uri="{FF2B5EF4-FFF2-40B4-BE49-F238E27FC236}">
+                <a16:creationId xmlns:a16="http://schemas.microsoft.com/office/drawing/2014/main" id="{9D5882D8-FAAD-A78D-661B-D8BD66B23A0E}"/>
+              </a:ext>
+            </a:extLst>
+          </p:cNvPr>
+          <p:cNvSpPr/>
+          <p:nvPr/>
+        </p:nvSpPr>
+        <p:spPr>
+          <a:xfrm>
+            <a:off x="2430295" y="3440761"/>
+            <a:ext cx="104386" cy="177868"/>
+          </a:xfrm>
+          <a:prstGeom prst="mathMultiply">
+            <a:avLst/>
+          </a:prstGeom>
+          <a:solidFill>
+            <a:srgbClr val="FF0000"/>
+          </a:solidFill>
+        </p:spPr>
+        <p:style>
+          <a:lnRef idx="2">
+            <a:schemeClr val="accent1">
+              <a:shade val="15000"/>
+            </a:schemeClr>
+          </a:lnRef>
+          <a:fillRef idx="1">
+            <a:schemeClr val="accent1"/>
+          </a:fillRef>
+          <a:effectRef idx="0">
+            <a:schemeClr val="accent1"/>
+          </a:effectRef>
+          <a:fontRef idx="minor">
+            <a:schemeClr val="lt1"/>
+          </a:fontRef>
+        </p:style>
+        <p:txBody>
+          <a:bodyPr rtlCol="0" anchor="ctr"/>
+          <a:lstStyle/>
+          <a:p>
+            <a:pPr algn="ctr"/>
+            <a:endParaRPr lang="en-US"/>
+          </a:p>
+        </p:txBody>
+      </p:sp>
+      <p:sp>
+        <p:nvSpPr>
+          <p:cNvPr id="47" name="Multiplication Sign 46">
+            <a:extLst>
+              <a:ext uri="{FF2B5EF4-FFF2-40B4-BE49-F238E27FC236}">
+                <a16:creationId xmlns:a16="http://schemas.microsoft.com/office/drawing/2014/main" id="{EDA59FAB-B7D7-9476-FC3B-FFCF1904C363}"/>
+              </a:ext>
+            </a:extLst>
+          </p:cNvPr>
+          <p:cNvSpPr/>
+          <p:nvPr/>
+        </p:nvSpPr>
+        <p:spPr>
+          <a:xfrm>
+            <a:off x="3217143" y="3449794"/>
+            <a:ext cx="104386" cy="177868"/>
+          </a:xfrm>
+          <a:prstGeom prst="mathMultiply">
+            <a:avLst/>
+          </a:prstGeom>
+          <a:solidFill>
+            <a:srgbClr val="FF0000"/>
+          </a:solidFill>
+        </p:spPr>
+        <p:style>
+          <a:lnRef idx="2">
+            <a:schemeClr val="accent1">
+              <a:shade val="15000"/>
+            </a:schemeClr>
+          </a:lnRef>
+          <a:fillRef idx="1">
+            <a:schemeClr val="accent1"/>
+          </a:fillRef>
+          <a:effectRef idx="0">
+            <a:schemeClr val="accent1"/>
+          </a:effectRef>
+          <a:fontRef idx="minor">
+            <a:schemeClr val="lt1"/>
+          </a:fontRef>
+        </p:style>
+        <p:txBody>
+          <a:bodyPr rtlCol="0" anchor="ctr"/>
+          <a:lstStyle/>
+          <a:p>
+            <a:pPr algn="ctr"/>
+            <a:endParaRPr lang="en-US"/>
+          </a:p>
+        </p:txBody>
+      </p:sp>
+      <p:sp>
+        <p:nvSpPr>
+          <p:cNvPr id="48" name="Multiplication Sign 47">
+            <a:extLst>
+              <a:ext uri="{FF2B5EF4-FFF2-40B4-BE49-F238E27FC236}">
+                <a16:creationId xmlns:a16="http://schemas.microsoft.com/office/drawing/2014/main" id="{F034B788-7E0F-4FAD-CBD9-7372BD6040FF}"/>
+              </a:ext>
+            </a:extLst>
+          </p:cNvPr>
+          <p:cNvSpPr/>
+          <p:nvPr/>
+        </p:nvSpPr>
+        <p:spPr>
+          <a:xfrm>
+            <a:off x="2399459" y="4718436"/>
+            <a:ext cx="104386" cy="177868"/>
+          </a:xfrm>
+          <a:prstGeom prst="mathMultiply">
+            <a:avLst/>
+          </a:prstGeom>
+          <a:solidFill>
+            <a:srgbClr val="FF0000"/>
+          </a:solidFill>
+        </p:spPr>
+        <p:style>
+          <a:lnRef idx="2">
+            <a:schemeClr val="accent1">
+              <a:shade val="15000"/>
+            </a:schemeClr>
+          </a:lnRef>
+          <a:fillRef idx="1">
+            <a:schemeClr val="accent1"/>
+          </a:fillRef>
+          <a:effectRef idx="0">
+            <a:schemeClr val="accent1"/>
+          </a:effectRef>
+          <a:fontRef idx="minor">
+            <a:schemeClr val="lt1"/>
+          </a:fontRef>
+        </p:style>
+        <p:txBody>
+          <a:bodyPr rtlCol="0" anchor="ctr"/>
+          <a:lstStyle/>
+          <a:p>
+            <a:pPr algn="ctr"/>
+            <a:endParaRPr lang="en-US"/>
+          </a:p>
+        </p:txBody>
+      </p:sp>
+      <p:sp>
+        <p:nvSpPr>
+          <p:cNvPr id="49" name="Multiplication Sign 48">
+            <a:extLst>
+              <a:ext uri="{FF2B5EF4-FFF2-40B4-BE49-F238E27FC236}">
+                <a16:creationId xmlns:a16="http://schemas.microsoft.com/office/drawing/2014/main" id="{C20C6627-BC1D-2871-E35B-E79005B07DDA}"/>
+              </a:ext>
+            </a:extLst>
+          </p:cNvPr>
+          <p:cNvSpPr/>
+          <p:nvPr/>
+        </p:nvSpPr>
+        <p:spPr>
+          <a:xfrm>
+            <a:off x="2325909" y="5610216"/>
+            <a:ext cx="104386" cy="177868"/>
+          </a:xfrm>
+          <a:prstGeom prst="mathMultiply">
+            <a:avLst/>
+          </a:prstGeom>
+          <a:solidFill>
+            <a:srgbClr val="FF0000"/>
+          </a:solidFill>
+        </p:spPr>
+        <p:style>
+          <a:lnRef idx="2">
+            <a:schemeClr val="accent1">
+              <a:shade val="15000"/>
+            </a:schemeClr>
+          </a:lnRef>
+          <a:fillRef idx="1">
+            <a:schemeClr val="accent1"/>
+          </a:fillRef>
+          <a:effectRef idx="0">
+            <a:schemeClr val="accent1"/>
+          </a:effectRef>
+          <a:fontRef idx="minor">
+            <a:schemeClr val="lt1"/>
+          </a:fontRef>
+        </p:style>
+        <p:txBody>
+          <a:bodyPr rtlCol="0" anchor="ctr"/>
+          <a:lstStyle/>
+          <a:p>
+            <a:pPr algn="ctr"/>
+            <a:endParaRPr lang="en-US"/>
+          </a:p>
+        </p:txBody>
+      </p:sp>
+      <p:sp>
+        <p:nvSpPr>
+          <p:cNvPr id="50" name="Rectangle 49">
+            <a:extLst>
+              <a:ext uri="{FF2B5EF4-FFF2-40B4-BE49-F238E27FC236}">
+                <a16:creationId xmlns:a16="http://schemas.microsoft.com/office/drawing/2014/main" id="{9B95E350-503C-FED5-2994-200CB5EFF14F}"/>
+              </a:ext>
+            </a:extLst>
+          </p:cNvPr>
+          <p:cNvSpPr/>
+          <p:nvPr/>
+        </p:nvSpPr>
+        <p:spPr>
+          <a:xfrm>
+            <a:off x="4670886" y="2922699"/>
+            <a:ext cx="428625" cy="400110"/>
+          </a:xfrm>
+          <a:prstGeom prst="rect">
+            <a:avLst/>
+          </a:prstGeom>
+          <a:noFill/>
+          <a:ln>
+            <a:solidFill>
+              <a:srgbClr val="FF0000"/>
+            </a:solidFill>
+            <a:prstDash val="dash"/>
+          </a:ln>
+        </p:spPr>
+        <p:style>
+          <a:lnRef idx="2">
+            <a:schemeClr val="accent1">
+              <a:shade val="15000"/>
+            </a:schemeClr>
+          </a:lnRef>
+          <a:fillRef idx="1">
+            <a:schemeClr val="accent1"/>
+          </a:fillRef>
+          <a:effectRef idx="0">
+            <a:schemeClr val="accent1"/>
+          </a:effectRef>
+          <a:fontRef idx="minor">
+            <a:schemeClr val="lt1"/>
+          </a:fontRef>
+        </p:style>
+        <p:txBody>
+          <a:bodyPr rtlCol="0" anchor="ctr"/>
+          <a:lstStyle/>
+          <a:p>
+            <a:pPr algn="ctr"/>
+            <a:endParaRPr lang="en-US"/>
+          </a:p>
+        </p:txBody>
+      </p:sp>
+      <p:sp>
+        <p:nvSpPr>
+          <p:cNvPr id="51" name="Rectangle 50">
+            <a:extLst>
+              <a:ext uri="{FF2B5EF4-FFF2-40B4-BE49-F238E27FC236}">
+                <a16:creationId xmlns:a16="http://schemas.microsoft.com/office/drawing/2014/main" id="{5101866A-2A36-7744-CD41-D9C2B94A5996}"/>
+              </a:ext>
+            </a:extLst>
+          </p:cNvPr>
+          <p:cNvSpPr/>
+          <p:nvPr/>
+        </p:nvSpPr>
+        <p:spPr>
+          <a:xfrm>
+            <a:off x="5082167" y="2922699"/>
+            <a:ext cx="428625" cy="400110"/>
+          </a:xfrm>
+          <a:prstGeom prst="rect">
+            <a:avLst/>
+          </a:prstGeom>
+          <a:noFill/>
+          <a:ln>
+            <a:solidFill>
+              <a:srgbClr val="FF0000"/>
+            </a:solidFill>
+            <a:prstDash val="dash"/>
+          </a:ln>
+        </p:spPr>
+        <p:style>
+          <a:lnRef idx="2">
+            <a:schemeClr val="accent1">
+              <a:shade val="15000"/>
+            </a:schemeClr>
+          </a:lnRef>
+          <a:fillRef idx="1">
+            <a:schemeClr val="accent1"/>
+          </a:fillRef>
+          <a:effectRef idx="0">
+            <a:schemeClr val="accent1"/>
+          </a:effectRef>
+          <a:fontRef idx="minor">
+            <a:schemeClr val="lt1"/>
+          </a:fontRef>
+        </p:style>
+        <p:txBody>
+          <a:bodyPr rtlCol="0" anchor="ctr"/>
+          <a:lstStyle/>
+          <a:p>
+            <a:pPr algn="ctr"/>
+            <a:endParaRPr lang="en-US"/>
           </a:p>
         </p:txBody>
       </p:sp>
@@ -13572,7 +14287,52 @@
                                           </p:stCondLst>
                                         </p:cTn>
                                         <p:tgtEl>
-                                          <p:spTgt spid="29"/>
+                                          <p:spTgt spid="10"/>
+                                        </p:tgtEl>
+                                        <p:attrNameLst>
+                                          <p:attrName>style.visibility</p:attrName>
+                                        </p:attrNameLst>
+                                      </p:cBhvr>
+                                      <p:to>
+                                        <p:strVal val="visible"/>
+                                      </p:to>
+                                    </p:set>
+                                  </p:childTnLst>
+                                </p:cTn>
+                              </p:par>
+                            </p:childTnLst>
+                          </p:cTn>
+                        </p:par>
+                      </p:childTnLst>
+                    </p:cTn>
+                  </p:par>
+                  <p:par>
+                    <p:cTn id="7" fill="hold">
+                      <p:stCondLst>
+                        <p:cond delay="indefinite"/>
+                      </p:stCondLst>
+                      <p:childTnLst>
+                        <p:par>
+                          <p:cTn id="8" fill="hold">
+                            <p:stCondLst>
+                              <p:cond delay="0"/>
+                            </p:stCondLst>
+                            <p:childTnLst>
+                              <p:par>
+                                <p:cTn id="9" presetID="1" presetClass="entr" presetSubtype="0" fill="hold" grpId="0" nodeType="clickEffect">
+                                  <p:stCondLst>
+                                    <p:cond delay="0"/>
+                                  </p:stCondLst>
+                                  <p:childTnLst>
+                                    <p:set>
+                                      <p:cBhvr>
+                                        <p:cTn id="10" dur="1" fill="hold">
+                                          <p:stCondLst>
+                                            <p:cond delay="0"/>
+                                          </p:stCondLst>
+                                        </p:cTn>
+                                        <p:tgtEl>
+                                          <p:spTgt spid="45"/>
                                         </p:tgtEl>
                                         <p:attrNameLst>
                                           <p:attrName>style.visibility</p:attrName>
@@ -13586,20 +14346,245 @@
                                 </p:cTn>
                               </p:par>
                               <p:par>
-                                <p:cTn id="7" presetID="1" presetClass="entr" presetSubtype="0" fill="hold" grpId="0" nodeType="withEffect">
+                                <p:cTn id="11" presetID="1" presetClass="entr" presetSubtype="0" fill="hold" grpId="0" nodeType="withEffect">
                                   <p:stCondLst>
                                     <p:cond delay="0"/>
                                   </p:stCondLst>
                                   <p:childTnLst>
                                     <p:set>
                                       <p:cBhvr>
-                                        <p:cTn id="8" dur="1" fill="hold">
+                                        <p:cTn id="12" dur="1" fill="hold">
                                           <p:stCondLst>
                                             <p:cond delay="0"/>
                                           </p:stCondLst>
                                         </p:cTn>
                                         <p:tgtEl>
-                                          <p:spTgt spid="30"/>
+                                          <p:spTgt spid="46"/>
+                                        </p:tgtEl>
+                                        <p:attrNameLst>
+                                          <p:attrName>style.visibility</p:attrName>
+                                        </p:attrNameLst>
+                                      </p:cBhvr>
+                                      <p:to>
+                                        <p:strVal val="visible"/>
+                                      </p:to>
+                                    </p:set>
+                                  </p:childTnLst>
+                                </p:cTn>
+                              </p:par>
+                              <p:par>
+                                <p:cTn id="13" presetID="1" presetClass="entr" presetSubtype="0" fill="hold" grpId="0" nodeType="withEffect">
+                                  <p:stCondLst>
+                                    <p:cond delay="0"/>
+                                  </p:stCondLst>
+                                  <p:childTnLst>
+                                    <p:set>
+                                      <p:cBhvr>
+                                        <p:cTn id="14" dur="1" fill="hold">
+                                          <p:stCondLst>
+                                            <p:cond delay="0"/>
+                                          </p:stCondLst>
+                                        </p:cTn>
+                                        <p:tgtEl>
+                                          <p:spTgt spid="47"/>
+                                        </p:tgtEl>
+                                        <p:attrNameLst>
+                                          <p:attrName>style.visibility</p:attrName>
+                                        </p:attrNameLst>
+                                      </p:cBhvr>
+                                      <p:to>
+                                        <p:strVal val="visible"/>
+                                      </p:to>
+                                    </p:set>
+                                  </p:childTnLst>
+                                </p:cTn>
+                              </p:par>
+                              <p:par>
+                                <p:cTn id="15" presetID="1" presetClass="entr" presetSubtype="0" fill="hold" grpId="0" nodeType="withEffect">
+                                  <p:stCondLst>
+                                    <p:cond delay="0"/>
+                                  </p:stCondLst>
+                                  <p:childTnLst>
+                                    <p:set>
+                                      <p:cBhvr>
+                                        <p:cTn id="16" dur="1" fill="hold">
+                                          <p:stCondLst>
+                                            <p:cond delay="0"/>
+                                          </p:stCondLst>
+                                        </p:cTn>
+                                        <p:tgtEl>
+                                          <p:spTgt spid="48"/>
+                                        </p:tgtEl>
+                                        <p:attrNameLst>
+                                          <p:attrName>style.visibility</p:attrName>
+                                        </p:attrNameLst>
+                                      </p:cBhvr>
+                                      <p:to>
+                                        <p:strVal val="visible"/>
+                                      </p:to>
+                                    </p:set>
+                                  </p:childTnLst>
+                                </p:cTn>
+                              </p:par>
+                              <p:par>
+                                <p:cTn id="17" presetID="1" presetClass="entr" presetSubtype="0" fill="hold" grpId="0" nodeType="withEffect">
+                                  <p:stCondLst>
+                                    <p:cond delay="0"/>
+                                  </p:stCondLst>
+                                  <p:childTnLst>
+                                    <p:set>
+                                      <p:cBhvr>
+                                        <p:cTn id="18" dur="1" fill="hold">
+                                          <p:stCondLst>
+                                            <p:cond delay="0"/>
+                                          </p:stCondLst>
+                                        </p:cTn>
+                                        <p:tgtEl>
+                                          <p:spTgt spid="49"/>
+                                        </p:tgtEl>
+                                        <p:attrNameLst>
+                                          <p:attrName>style.visibility</p:attrName>
+                                        </p:attrNameLst>
+                                      </p:cBhvr>
+                                      <p:to>
+                                        <p:strVal val="visible"/>
+                                      </p:to>
+                                    </p:set>
+                                  </p:childTnLst>
+                                </p:cTn>
+                              </p:par>
+                            </p:childTnLst>
+                          </p:cTn>
+                        </p:par>
+                      </p:childTnLst>
+                    </p:cTn>
+                  </p:par>
+                  <p:par>
+                    <p:cTn id="19" fill="hold">
+                      <p:stCondLst>
+                        <p:cond delay="indefinite"/>
+                      </p:stCondLst>
+                      <p:childTnLst>
+                        <p:par>
+                          <p:cTn id="20" fill="hold">
+                            <p:stCondLst>
+                              <p:cond delay="0"/>
+                            </p:stCondLst>
+                            <p:childTnLst>
+                              <p:par>
+                                <p:cTn id="21" presetID="1" presetClass="entr" presetSubtype="0" fill="hold" grpId="0" nodeType="clickEffect">
+                                  <p:stCondLst>
+                                    <p:cond delay="0"/>
+                                  </p:stCondLst>
+                                  <p:childTnLst>
+                                    <p:set>
+                                      <p:cBhvr>
+                                        <p:cTn id="22" dur="1" fill="hold">
+                                          <p:stCondLst>
+                                            <p:cond delay="0"/>
+                                          </p:stCondLst>
+                                        </p:cTn>
+                                        <p:tgtEl>
+                                          <p:spTgt spid="50"/>
+                                        </p:tgtEl>
+                                        <p:attrNameLst>
+                                          <p:attrName>style.visibility</p:attrName>
+                                        </p:attrNameLst>
+                                      </p:cBhvr>
+                                      <p:to>
+                                        <p:strVal val="visible"/>
+                                      </p:to>
+                                    </p:set>
+                                  </p:childTnLst>
+                                </p:cTn>
+                              </p:par>
+                              <p:par>
+                                <p:cTn id="23" presetID="1" presetClass="entr" presetSubtype="0" fill="hold" grpId="0" nodeType="withEffect">
+                                  <p:stCondLst>
+                                    <p:cond delay="0"/>
+                                  </p:stCondLst>
+                                  <p:childTnLst>
+                                    <p:set>
+                                      <p:cBhvr>
+                                        <p:cTn id="24" dur="1" fill="hold">
+                                          <p:stCondLst>
+                                            <p:cond delay="0"/>
+                                          </p:stCondLst>
+                                        </p:cTn>
+                                        <p:tgtEl>
+                                          <p:spTgt spid="51"/>
+                                        </p:tgtEl>
+                                        <p:attrNameLst>
+                                          <p:attrName>style.visibility</p:attrName>
+                                        </p:attrNameLst>
+                                      </p:cBhvr>
+                                      <p:to>
+                                        <p:strVal val="visible"/>
+                                      </p:to>
+                                    </p:set>
+                                  </p:childTnLst>
+                                </p:cTn>
+                              </p:par>
+                            </p:childTnLst>
+                          </p:cTn>
+                        </p:par>
+                      </p:childTnLst>
+                    </p:cTn>
+                  </p:par>
+                  <p:par>
+                    <p:cTn id="25" fill="hold">
+                      <p:stCondLst>
+                        <p:cond delay="indefinite"/>
+                      </p:stCondLst>
+                      <p:childTnLst>
+                        <p:par>
+                          <p:cTn id="26" fill="hold">
+                            <p:stCondLst>
+                              <p:cond delay="0"/>
+                            </p:stCondLst>
+                            <p:childTnLst>
+                              <p:par>
+                                <p:cTn id="27" presetID="1" presetClass="entr" presetSubtype="0" fill="hold" grpId="0" nodeType="clickEffect">
+                                  <p:stCondLst>
+                                    <p:cond delay="0"/>
+                                  </p:stCondLst>
+                                  <p:childTnLst>
+                                    <p:set>
+                                      <p:cBhvr>
+                                        <p:cTn id="28" dur="1" fill="hold">
+                                          <p:stCondLst>
+                                            <p:cond delay="0"/>
+                                          </p:stCondLst>
+                                        </p:cTn>
+                                        <p:tgtEl>
+                                          <p:spTgt spid="43"/>
+                                        </p:tgtEl>
+                                        <p:attrNameLst>
+                                          <p:attrName>style.visibility</p:attrName>
+                                        </p:attrNameLst>
+                                      </p:cBhvr>
+                                      <p:to>
+                                        <p:strVal val="visible"/>
+                                      </p:to>
+                                    </p:set>
+                                  </p:childTnLst>
+                                </p:cTn>
+                              </p:par>
+                              <p:par>
+                                <p:cTn id="29" presetID="1" presetClass="entr" presetSubtype="0" fill="hold" grpId="0" nodeType="withEffect">
+                                  <p:stCondLst>
+                                    <p:cond delay="0"/>
+                                  </p:stCondLst>
+                                  <p:childTnLst>
+                                    <p:set>
+                                      <p:cBhvr>
+                                        <p:cTn id="30" dur="1" fill="hold">
+                                          <p:stCondLst>
+                                            <p:cond delay="0"/>
+                                          </p:stCondLst>
+                                        </p:cTn>
+                                        <p:tgtEl>
+                                          <p:spTgt spid="44"/>
                                         </p:tgtEl>
                                         <p:attrNameLst>
                                           <p:attrName>style.visibility</p:attrName>
@@ -13640,11 +14625,49 @@
       </p:par>
     </p:tnLst>
     <p:bldLst>
-      <p:bldP spid="29" grpId="0" animBg="1"/>
-      <p:bldP spid="30" grpId="0" animBg="1"/>
+      <p:bldP spid="10" grpId="0"/>
+      <p:bldP spid="43" grpId="0" animBg="1"/>
+      <p:bldP spid="44" grpId="0" animBg="1"/>
+      <p:bldP spid="45" grpId="0" animBg="1"/>
+      <p:bldP spid="46" grpId="0" animBg="1"/>
+      <p:bldP spid="47" grpId="0" animBg="1"/>
+      <p:bldP spid="48" grpId="0" animBg="1"/>
+      <p:bldP spid="49" grpId="0" animBg="1"/>
+      <p:bldP spid="50" grpId="0" animBg="1"/>
+      <p:bldP spid="51" grpId="0" animBg="1"/>
     </p:bldLst>
   </p:timing>
 </p:sld>
+</file>
+
+<file path=ppt/tags/tag1.xml><?xml version="1.0" encoding="utf-8"?>
+<p:tagLst xmlns:a="http://schemas.openxmlformats.org/drawingml/2006/main" xmlns:r="http://schemas.openxmlformats.org/officeDocument/2006/relationships" xmlns:p="http://schemas.openxmlformats.org/presentationml/2006/main">
+  <p:tag name="TIMING" val="|12.7|2.6|0.8|7.6"/>
+</p:tagLst>
+</file>
+
+<file path=ppt/tags/tag2.xml><?xml version="1.0" encoding="utf-8"?>
+<p:tagLst xmlns:a="http://schemas.openxmlformats.org/drawingml/2006/main" xmlns:r="http://schemas.openxmlformats.org/officeDocument/2006/relationships" xmlns:p="http://schemas.openxmlformats.org/presentationml/2006/main">
+  <p:tag name="TIMING" val="|13.8"/>
+</p:tagLst>
+</file>
+
+<file path=ppt/tags/tag3.xml><?xml version="1.0" encoding="utf-8"?>
+<p:tagLst xmlns:a="http://schemas.openxmlformats.org/drawingml/2006/main" xmlns:r="http://schemas.openxmlformats.org/officeDocument/2006/relationships" xmlns:p="http://schemas.openxmlformats.org/presentationml/2006/main">
+  <p:tag name="TIMING" val="|5.7|1.3|8.3|11.2"/>
+</p:tagLst>
+</file>
+
+<file path=ppt/tags/tag4.xml><?xml version="1.0" encoding="utf-8"?>
+<p:tagLst xmlns:a="http://schemas.openxmlformats.org/drawingml/2006/main" xmlns:r="http://schemas.openxmlformats.org/officeDocument/2006/relationships" xmlns:p="http://schemas.openxmlformats.org/presentationml/2006/main">
+  <p:tag name="TIMING" val="|18|8.6|2.2|7.8"/>
+</p:tagLst>
+</file>
+
+<file path=ppt/tags/tag5.xml><?xml version="1.0" encoding="utf-8"?>
+<p:tagLst xmlns:a="http://schemas.openxmlformats.org/drawingml/2006/main" xmlns:r="http://schemas.openxmlformats.org/officeDocument/2006/relationships" xmlns:p="http://schemas.openxmlformats.org/presentationml/2006/main">
+  <p:tag name="TIMING" val="|21.7|6|8.1"/>
+</p:tagLst>
 </file>
 
 <file path=ppt/theme/theme1.xml><?xml version="1.0" encoding="utf-8"?>
